--- a/course_material/slides/FAT Filesystem.pptx
+++ b/course_material/slides/FAT Filesystem.pptx
@@ -135,6 +135,22 @@
       </a:defRPr>
     </a:lvl9pPr>
   </p:defaultTextStyle>
+  <p:extLst>
+    <p:ext uri="{EFAFB233-063F-42B5-8137-9DF3F51BA10A}">
+      <p15:sldGuideLst xmlns:p15="http://schemas.microsoft.com/office/powerpoint/2012/main">
+        <p15:guide id="1" orient="horz" pos="2160">
+          <p15:clr>
+            <a:srgbClr val="A4A3A4"/>
+          </p15:clr>
+        </p15:guide>
+        <p15:guide id="2" pos="2880">
+          <p15:clr>
+            <a:srgbClr val="A4A3A4"/>
+          </p15:clr>
+        </p15:guide>
+      </p15:sldGuideLst>
+    </p:ext>
+  </p:extLst>
 </p:presentation>
 </file>
 
@@ -327,10 +343,9 @@
           </a:lstStyle>
           <a:p>
             <a:r>
-              <a:rPr kumimoji="0" lang="en-US" smtClean="0"/>
+              <a:rPr kumimoji="0" lang="en-US"/>
               <a:t>Click to edit Master title style</a:t>
             </a:r>
-            <a:endParaRPr kumimoji="0" lang="en-US"/>
           </a:p>
         </p:txBody>
       </p:sp>
@@ -390,10 +405,9 @@
           </a:lstStyle>
           <a:p>
             <a:r>
-              <a:rPr kumimoji="0" lang="en-US" smtClean="0"/>
+              <a:rPr kumimoji="0" lang="en-US"/>
               <a:t>Click to edit Master subtitle style</a:t>
             </a:r>
-            <a:endParaRPr kumimoji="0" lang="en-US"/>
           </a:p>
         </p:txBody>
       </p:sp>
@@ -429,7 +443,7 @@
           <a:p>
             <a:fld id="{80EA1731-DA57-4EC9-807D-858DF09841BD}" type="datetimeFigureOut">
               <a:rPr lang="en-US" smtClean="0"/>
-              <a:t>8/25/2010</a:t>
+              <a:t>1/14/2025</a:t>
             </a:fld>
             <a:endParaRPr lang="en-US"/>
           </a:p>
@@ -544,10 +558,9 @@
           <a:lstStyle/>
           <a:p>
             <a:r>
-              <a:rPr kumimoji="0" lang="en-US" smtClean="0"/>
+              <a:rPr kumimoji="0" lang="en-US"/>
               <a:t>Click to edit Master title style</a:t>
             </a:r>
-            <a:endParaRPr kumimoji="0" lang="en-US"/>
           </a:p>
         </p:txBody>
       </p:sp>
@@ -568,35 +581,35 @@
           <a:p>
             <a:pPr lvl="0" eaLnBrk="1" latinLnBrk="0" hangingPunct="1"/>
             <a:r>
-              <a:rPr lang="en-US" smtClean="0"/>
+              <a:rPr lang="en-US"/>
               <a:t>Click to edit Master text styles</a:t>
             </a:r>
           </a:p>
           <a:p>
             <a:pPr lvl="1" eaLnBrk="1" latinLnBrk="0" hangingPunct="1"/>
             <a:r>
-              <a:rPr lang="en-US" smtClean="0"/>
+              <a:rPr lang="en-US"/>
               <a:t>Second level</a:t>
             </a:r>
           </a:p>
           <a:p>
             <a:pPr lvl="2" eaLnBrk="1" latinLnBrk="0" hangingPunct="1"/>
             <a:r>
-              <a:rPr lang="en-US" smtClean="0"/>
+              <a:rPr lang="en-US"/>
               <a:t>Third level</a:t>
             </a:r>
           </a:p>
           <a:p>
             <a:pPr lvl="3" eaLnBrk="1" latinLnBrk="0" hangingPunct="1"/>
             <a:r>
-              <a:rPr lang="en-US" smtClean="0"/>
+              <a:rPr lang="en-US"/>
               <a:t>Fourth level</a:t>
             </a:r>
           </a:p>
           <a:p>
             <a:pPr lvl="4" eaLnBrk="1" latinLnBrk="0" hangingPunct="1"/>
             <a:r>
-              <a:rPr lang="en-US" smtClean="0"/>
+              <a:rPr lang="en-US"/>
               <a:t>Fifth level</a:t>
             </a:r>
             <a:endParaRPr kumimoji="0" lang="en-US"/>
@@ -620,7 +633,7 @@
           <a:p>
             <a:fld id="{80EA1731-DA57-4EC9-807D-858DF09841BD}" type="datetimeFigureOut">
               <a:rPr lang="en-US" smtClean="0"/>
-              <a:t>8/25/2010</a:t>
+              <a:t>1/14/2025</a:t>
             </a:fld>
             <a:endParaRPr lang="en-US"/>
           </a:p>
@@ -719,10 +732,9 @@
           <a:lstStyle/>
           <a:p>
             <a:r>
-              <a:rPr kumimoji="0" lang="en-US" smtClean="0"/>
+              <a:rPr kumimoji="0" lang="en-US"/>
               <a:t>Click to edit Master title style</a:t>
             </a:r>
-            <a:endParaRPr kumimoji="0" lang="en-US"/>
           </a:p>
         </p:txBody>
       </p:sp>
@@ -748,35 +760,35 @@
           <a:p>
             <a:pPr lvl="0" eaLnBrk="1" latinLnBrk="0" hangingPunct="1"/>
             <a:r>
-              <a:rPr lang="en-US" smtClean="0"/>
+              <a:rPr lang="en-US"/>
               <a:t>Click to edit Master text styles</a:t>
             </a:r>
           </a:p>
           <a:p>
             <a:pPr lvl="1" eaLnBrk="1" latinLnBrk="0" hangingPunct="1"/>
             <a:r>
-              <a:rPr lang="en-US" smtClean="0"/>
+              <a:rPr lang="en-US"/>
               <a:t>Second level</a:t>
             </a:r>
           </a:p>
           <a:p>
             <a:pPr lvl="2" eaLnBrk="1" latinLnBrk="0" hangingPunct="1"/>
             <a:r>
-              <a:rPr lang="en-US" smtClean="0"/>
+              <a:rPr lang="en-US"/>
               <a:t>Third level</a:t>
             </a:r>
           </a:p>
           <a:p>
             <a:pPr lvl="3" eaLnBrk="1" latinLnBrk="0" hangingPunct="1"/>
             <a:r>
-              <a:rPr lang="en-US" smtClean="0"/>
+              <a:rPr lang="en-US"/>
               <a:t>Fourth level</a:t>
             </a:r>
           </a:p>
           <a:p>
             <a:pPr lvl="4" eaLnBrk="1" latinLnBrk="0" hangingPunct="1"/>
             <a:r>
-              <a:rPr lang="en-US" smtClean="0"/>
+              <a:rPr lang="en-US"/>
               <a:t>Fifth level</a:t>
             </a:r>
             <a:endParaRPr kumimoji="0" lang="en-US"/>
@@ -805,7 +817,7 @@
           <a:p>
             <a:fld id="{80EA1731-DA57-4EC9-807D-858DF09841BD}" type="datetimeFigureOut">
               <a:rPr lang="en-US" smtClean="0"/>
-              <a:t>8/25/2010</a:t>
+              <a:t>1/14/2025</a:t>
             </a:fld>
             <a:endParaRPr lang="en-US"/>
           </a:p>
@@ -1044,10 +1056,9 @@
           <a:lstStyle/>
           <a:p>
             <a:r>
-              <a:rPr kumimoji="0" lang="en-US" smtClean="0"/>
+              <a:rPr kumimoji="0" lang="en-US"/>
               <a:t>Click to edit Master title style</a:t>
             </a:r>
-            <a:endParaRPr kumimoji="0" lang="en-US"/>
           </a:p>
         </p:txBody>
       </p:sp>
@@ -1068,7 +1079,7 @@
           <a:p>
             <a:fld id="{80EA1731-DA57-4EC9-807D-858DF09841BD}" type="datetimeFigureOut">
               <a:rPr lang="en-US" smtClean="0"/>
-              <a:t>8/25/2010</a:t>
+              <a:t>1/14/2025</a:t>
             </a:fld>
             <a:endParaRPr lang="en-US"/>
           </a:p>
@@ -1146,35 +1157,35 @@
           <a:p>
             <a:pPr lvl="0" eaLnBrk="1" latinLnBrk="0" hangingPunct="1"/>
             <a:r>
-              <a:rPr lang="en-US" smtClean="0"/>
+              <a:rPr lang="en-US"/>
               <a:t>Click to edit Master text styles</a:t>
             </a:r>
           </a:p>
           <a:p>
             <a:pPr lvl="1" eaLnBrk="1" latinLnBrk="0" hangingPunct="1"/>
             <a:r>
-              <a:rPr lang="en-US" smtClean="0"/>
+              <a:rPr lang="en-US"/>
               <a:t>Second level</a:t>
             </a:r>
           </a:p>
           <a:p>
             <a:pPr lvl="2" eaLnBrk="1" latinLnBrk="0" hangingPunct="1"/>
             <a:r>
-              <a:rPr lang="en-US" smtClean="0"/>
+              <a:rPr lang="en-US"/>
               <a:t>Third level</a:t>
             </a:r>
           </a:p>
           <a:p>
             <a:pPr lvl="3" eaLnBrk="1" latinLnBrk="0" hangingPunct="1"/>
             <a:r>
-              <a:rPr lang="en-US" smtClean="0"/>
+              <a:rPr lang="en-US"/>
               <a:t>Fourth level</a:t>
             </a:r>
           </a:p>
           <a:p>
             <a:pPr lvl="4" eaLnBrk="1" latinLnBrk="0" hangingPunct="1"/>
             <a:r>
-              <a:rPr lang="en-US" smtClean="0"/>
+              <a:rPr lang="en-US"/>
               <a:t>Fifth level</a:t>
             </a:r>
             <a:endParaRPr kumimoji="0" lang="en-US"/>
@@ -1282,7 +1293,7 @@
           <a:p>
             <a:pPr lvl="0" eaLnBrk="1" latinLnBrk="0" hangingPunct="1"/>
             <a:r>
-              <a:rPr kumimoji="0" lang="en-US" smtClean="0"/>
+              <a:rPr kumimoji="0" lang="en-US"/>
               <a:t>Click to edit Master text styles</a:t>
             </a:r>
           </a:p>
@@ -1460,10 +1471,9 @@
           </a:lstStyle>
           <a:p>
             <a:r>
-              <a:rPr kumimoji="0" lang="en-US" smtClean="0"/>
+              <a:rPr kumimoji="0" lang="en-US"/>
               <a:t>Click to edit Master title style</a:t>
             </a:r>
-            <a:endParaRPr kumimoji="0" lang="en-US"/>
           </a:p>
         </p:txBody>
       </p:sp>
@@ -1484,7 +1494,7 @@
           <a:p>
             <a:fld id="{80EA1731-DA57-4EC9-807D-858DF09841BD}" type="datetimeFigureOut">
               <a:rPr lang="en-US" smtClean="0"/>
-              <a:t>8/25/2010</a:t>
+              <a:t>1/14/2025</a:t>
             </a:fld>
             <a:endParaRPr lang="en-US"/>
           </a:p>
@@ -1588,10 +1598,9 @@
           <a:lstStyle/>
           <a:p>
             <a:r>
-              <a:rPr kumimoji="0" lang="en-US" smtClean="0"/>
+              <a:rPr kumimoji="0" lang="en-US"/>
               <a:t>Click to edit Master title style</a:t>
             </a:r>
-            <a:endParaRPr kumimoji="0" lang="en-US"/>
           </a:p>
         </p:txBody>
       </p:sp>
@@ -1617,35 +1626,35 @@
           <a:p>
             <a:pPr lvl="0" eaLnBrk="1" latinLnBrk="0" hangingPunct="1"/>
             <a:r>
-              <a:rPr lang="en-US" smtClean="0"/>
+              <a:rPr lang="en-US"/>
               <a:t>Click to edit Master text styles</a:t>
             </a:r>
           </a:p>
           <a:p>
             <a:pPr lvl="1" eaLnBrk="1" latinLnBrk="0" hangingPunct="1"/>
             <a:r>
-              <a:rPr lang="en-US" smtClean="0"/>
+              <a:rPr lang="en-US"/>
               <a:t>Second level</a:t>
             </a:r>
           </a:p>
           <a:p>
             <a:pPr lvl="2" eaLnBrk="1" latinLnBrk="0" hangingPunct="1"/>
             <a:r>
-              <a:rPr lang="en-US" smtClean="0"/>
+              <a:rPr lang="en-US"/>
               <a:t>Third level</a:t>
             </a:r>
           </a:p>
           <a:p>
             <a:pPr lvl="3" eaLnBrk="1" latinLnBrk="0" hangingPunct="1"/>
             <a:r>
-              <a:rPr lang="en-US" smtClean="0"/>
+              <a:rPr lang="en-US"/>
               <a:t>Fourth level</a:t>
             </a:r>
           </a:p>
           <a:p>
             <a:pPr lvl="4" eaLnBrk="1" latinLnBrk="0" hangingPunct="1"/>
             <a:r>
-              <a:rPr lang="en-US" smtClean="0"/>
+              <a:rPr lang="en-US"/>
               <a:t>Fifth level</a:t>
             </a:r>
             <a:endParaRPr kumimoji="0" lang="en-US"/>
@@ -1674,35 +1683,35 @@
           <a:p>
             <a:pPr lvl="0" eaLnBrk="1" latinLnBrk="0" hangingPunct="1"/>
             <a:r>
-              <a:rPr lang="en-US" smtClean="0"/>
+              <a:rPr lang="en-US"/>
               <a:t>Click to edit Master text styles</a:t>
             </a:r>
           </a:p>
           <a:p>
             <a:pPr lvl="1" eaLnBrk="1" latinLnBrk="0" hangingPunct="1"/>
             <a:r>
-              <a:rPr lang="en-US" smtClean="0"/>
+              <a:rPr lang="en-US"/>
               <a:t>Second level</a:t>
             </a:r>
           </a:p>
           <a:p>
             <a:pPr lvl="2" eaLnBrk="1" latinLnBrk="0" hangingPunct="1"/>
             <a:r>
-              <a:rPr lang="en-US" smtClean="0"/>
+              <a:rPr lang="en-US"/>
               <a:t>Third level</a:t>
             </a:r>
           </a:p>
           <a:p>
             <a:pPr lvl="3" eaLnBrk="1" latinLnBrk="0" hangingPunct="1"/>
             <a:r>
-              <a:rPr lang="en-US" smtClean="0"/>
+              <a:rPr lang="en-US"/>
               <a:t>Fourth level</a:t>
             </a:r>
           </a:p>
           <a:p>
             <a:pPr lvl="4" eaLnBrk="1" latinLnBrk="0" hangingPunct="1"/>
             <a:r>
-              <a:rPr lang="en-US" smtClean="0"/>
+              <a:rPr lang="en-US"/>
               <a:t>Fifth level</a:t>
             </a:r>
             <a:endParaRPr kumimoji="0" lang="en-US"/>
@@ -1726,7 +1735,7 @@
           <a:p>
             <a:fld id="{80EA1731-DA57-4EC9-807D-858DF09841BD}" type="datetimeFigureOut">
               <a:rPr lang="en-US" smtClean="0"/>
-              <a:t>8/25/2010</a:t>
+              <a:t>1/14/2025</a:t>
             </a:fld>
             <a:endParaRPr lang="en-US"/>
           </a:p>
@@ -1824,10 +1833,9 @@
           </a:lstStyle>
           <a:p>
             <a:r>
-              <a:rPr kumimoji="0" lang="en-US" smtClean="0"/>
+              <a:rPr kumimoji="0" lang="en-US"/>
               <a:t>Click to edit Master title style</a:t>
             </a:r>
-            <a:endParaRPr kumimoji="0" lang="en-US"/>
           </a:p>
         </p:txBody>
       </p:sp>
@@ -1853,35 +1861,35 @@
           <a:p>
             <a:pPr lvl="0" eaLnBrk="1" latinLnBrk="0" hangingPunct="1"/>
             <a:r>
-              <a:rPr lang="en-US" smtClean="0"/>
+              <a:rPr lang="en-US"/>
               <a:t>Click to edit Master text styles</a:t>
             </a:r>
           </a:p>
           <a:p>
             <a:pPr lvl="1" eaLnBrk="1" latinLnBrk="0" hangingPunct="1"/>
             <a:r>
-              <a:rPr lang="en-US" smtClean="0"/>
+              <a:rPr lang="en-US"/>
               <a:t>Second level</a:t>
             </a:r>
           </a:p>
           <a:p>
             <a:pPr lvl="2" eaLnBrk="1" latinLnBrk="0" hangingPunct="1"/>
             <a:r>
-              <a:rPr lang="en-US" smtClean="0"/>
+              <a:rPr lang="en-US"/>
               <a:t>Third level</a:t>
             </a:r>
           </a:p>
           <a:p>
             <a:pPr lvl="3" eaLnBrk="1" latinLnBrk="0" hangingPunct="1"/>
             <a:r>
-              <a:rPr lang="en-US" smtClean="0"/>
+              <a:rPr lang="en-US"/>
               <a:t>Fourth level</a:t>
             </a:r>
           </a:p>
           <a:p>
             <a:pPr lvl="4" eaLnBrk="1" latinLnBrk="0" hangingPunct="1"/>
             <a:r>
-              <a:rPr lang="en-US" smtClean="0"/>
+              <a:rPr lang="en-US"/>
               <a:t>Fifth level</a:t>
             </a:r>
             <a:endParaRPr kumimoji="0" lang="en-US"/>
@@ -1910,35 +1918,35 @@
           <a:p>
             <a:pPr lvl="0" eaLnBrk="1" latinLnBrk="0" hangingPunct="1"/>
             <a:r>
-              <a:rPr lang="en-US" smtClean="0"/>
+              <a:rPr lang="en-US"/>
               <a:t>Click to edit Master text styles</a:t>
             </a:r>
           </a:p>
           <a:p>
             <a:pPr lvl="1" eaLnBrk="1" latinLnBrk="0" hangingPunct="1"/>
             <a:r>
-              <a:rPr lang="en-US" smtClean="0"/>
+              <a:rPr lang="en-US"/>
               <a:t>Second level</a:t>
             </a:r>
           </a:p>
           <a:p>
             <a:pPr lvl="2" eaLnBrk="1" latinLnBrk="0" hangingPunct="1"/>
             <a:r>
-              <a:rPr lang="en-US" smtClean="0"/>
+              <a:rPr lang="en-US"/>
               <a:t>Third level</a:t>
             </a:r>
           </a:p>
           <a:p>
             <a:pPr lvl="3" eaLnBrk="1" latinLnBrk="0" hangingPunct="1"/>
             <a:r>
-              <a:rPr lang="en-US" smtClean="0"/>
+              <a:rPr lang="en-US"/>
               <a:t>Fourth level</a:t>
             </a:r>
           </a:p>
           <a:p>
             <a:pPr lvl="4" eaLnBrk="1" latinLnBrk="0" hangingPunct="1"/>
             <a:r>
-              <a:rPr lang="en-US" smtClean="0"/>
+              <a:rPr lang="en-US"/>
               <a:t>Fifth level</a:t>
             </a:r>
             <a:endParaRPr kumimoji="0" lang="en-US"/>
@@ -1962,7 +1970,7 @@
           <a:p>
             <a:fld id="{80EA1731-DA57-4EC9-807D-858DF09841BD}" type="datetimeFigureOut">
               <a:rPr lang="en-US" smtClean="0"/>
-              <a:t>8/25/2010</a:t>
+              <a:t>1/14/2025</a:t>
             </a:fld>
             <a:endParaRPr lang="en-US"/>
           </a:p>
@@ -2045,7 +2053,7 @@
           <a:p>
             <a:pPr lvl="0" eaLnBrk="1" latinLnBrk="0" hangingPunct="1"/>
             <a:r>
-              <a:rPr kumimoji="0" lang="en-US" smtClean="0"/>
+              <a:rPr kumimoji="0" lang="en-US"/>
               <a:t>Click to edit Master text styles</a:t>
             </a:r>
           </a:p>
@@ -2086,7 +2094,7 @@
           <a:p>
             <a:pPr lvl="0" eaLnBrk="1" latinLnBrk="0" hangingPunct="1"/>
             <a:r>
-              <a:rPr kumimoji="0" lang="en-US" smtClean="0"/>
+              <a:rPr kumimoji="0" lang="en-US"/>
               <a:t>Click to edit Master text styles</a:t>
             </a:r>
           </a:p>
@@ -2133,10 +2141,9 @@
           <a:lstStyle/>
           <a:p>
             <a:r>
-              <a:rPr kumimoji="0" lang="en-US" smtClean="0"/>
+              <a:rPr kumimoji="0" lang="en-US"/>
               <a:t>Click to edit Master title style</a:t>
             </a:r>
-            <a:endParaRPr kumimoji="0" lang="en-US"/>
           </a:p>
         </p:txBody>
       </p:sp>
@@ -2157,7 +2164,7 @@
           <a:p>
             <a:fld id="{80EA1731-DA57-4EC9-807D-858DF09841BD}" type="datetimeFigureOut">
               <a:rPr lang="en-US" smtClean="0"/>
-              <a:t>8/25/2010</a:t>
+              <a:t>1/14/2025</a:t>
             </a:fld>
             <a:endParaRPr lang="en-US"/>
           </a:p>
@@ -2255,7 +2262,7 @@
           <a:p>
             <a:fld id="{80EA1731-DA57-4EC9-807D-858DF09841BD}" type="datetimeFigureOut">
               <a:rPr lang="en-US" smtClean="0"/>
-              <a:t>8/25/2010</a:t>
+              <a:t>1/14/2025</a:t>
             </a:fld>
             <a:endParaRPr lang="en-US"/>
           </a:p>
@@ -2367,10 +2374,9 @@
           </a:lstStyle>
           <a:p>
             <a:r>
-              <a:rPr kumimoji="0" lang="en-US" smtClean="0"/>
+              <a:rPr kumimoji="0" lang="en-US"/>
               <a:t>Click to edit Master title style</a:t>
             </a:r>
-            <a:endParaRPr kumimoji="0" lang="en-US"/>
           </a:p>
         </p:txBody>
       </p:sp>
@@ -2391,7 +2397,7 @@
           <a:p>
             <a:fld id="{80EA1731-DA57-4EC9-807D-858DF09841BD}" type="datetimeFigureOut">
               <a:rPr lang="en-US" smtClean="0"/>
-              <a:t>8/25/2010</a:t>
+              <a:t>1/14/2025</a:t>
             </a:fld>
             <a:endParaRPr lang="en-US"/>
           </a:p>
@@ -2515,7 +2521,7 @@
           <a:p>
             <a:pPr lvl="0" eaLnBrk="1" latinLnBrk="0" hangingPunct="1"/>
             <a:r>
-              <a:rPr kumimoji="0" lang="en-US" smtClean="0"/>
+              <a:rPr kumimoji="0" lang="en-US"/>
               <a:t>Click to edit Master text styles</a:t>
             </a:r>
           </a:p>
@@ -2543,35 +2549,35 @@
           <a:p>
             <a:pPr lvl="0" eaLnBrk="1" latinLnBrk="0" hangingPunct="1"/>
             <a:r>
-              <a:rPr lang="en-US" smtClean="0"/>
+              <a:rPr lang="en-US"/>
               <a:t>Click to edit Master text styles</a:t>
             </a:r>
           </a:p>
           <a:p>
             <a:pPr lvl="1" eaLnBrk="1" latinLnBrk="0" hangingPunct="1"/>
             <a:r>
-              <a:rPr lang="en-US" smtClean="0"/>
+              <a:rPr lang="en-US"/>
               <a:t>Second level</a:t>
             </a:r>
           </a:p>
           <a:p>
             <a:pPr lvl="2" eaLnBrk="1" latinLnBrk="0" hangingPunct="1"/>
             <a:r>
-              <a:rPr lang="en-US" smtClean="0"/>
+              <a:rPr lang="en-US"/>
               <a:t>Third level</a:t>
             </a:r>
           </a:p>
           <a:p>
             <a:pPr lvl="3" eaLnBrk="1" latinLnBrk="0" hangingPunct="1"/>
             <a:r>
-              <a:rPr lang="en-US" smtClean="0"/>
+              <a:rPr lang="en-US"/>
               <a:t>Fourth level</a:t>
             </a:r>
           </a:p>
           <a:p>
             <a:pPr lvl="4" eaLnBrk="1" latinLnBrk="0" hangingPunct="1"/>
             <a:r>
-              <a:rPr lang="en-US" smtClean="0"/>
+              <a:rPr lang="en-US"/>
               <a:t>Fifth level</a:t>
             </a:r>
             <a:endParaRPr kumimoji="0" lang="en-US"/>
@@ -2656,7 +2662,7 @@
           <a:p>
             <a:pPr lvl="0" eaLnBrk="1" latinLnBrk="0" hangingPunct="1"/>
             <a:r>
-              <a:rPr kumimoji="0" lang="en-US" smtClean="0"/>
+              <a:rPr kumimoji="0" lang="en-US"/>
               <a:t>Click to edit Master text styles</a:t>
             </a:r>
           </a:p>
@@ -2834,10 +2840,9 @@
           </a:lstStyle>
           <a:p>
             <a:r>
-              <a:rPr kumimoji="0" lang="en-US" smtClean="0"/>
+              <a:rPr kumimoji="0" lang="en-US"/>
               <a:t>Click to edit Master title style</a:t>
             </a:r>
-            <a:endParaRPr kumimoji="0" lang="en-US"/>
           </a:p>
         </p:txBody>
       </p:sp>
@@ -2909,7 +2914,7 @@
           <a:p>
             <a:fld id="{80EA1731-DA57-4EC9-807D-858DF09841BD}" type="datetimeFigureOut">
               <a:rPr lang="en-US" smtClean="0"/>
-              <a:t>8/25/2010</a:t>
+              <a:t>1/14/2025</a:t>
             </a:fld>
             <a:endParaRPr lang="en-US"/>
           </a:p>
@@ -3005,7 +3010,7 @@
           </a:lstStyle>
           <a:p>
             <a:r>
-              <a:rPr kumimoji="0" lang="en-US" smtClean="0"/>
+              <a:rPr kumimoji="0" lang="en-US"/>
               <a:t>Click icon to add picture</a:t>
             </a:r>
             <a:endParaRPr kumimoji="0" lang="en-US" dirty="0"/>
@@ -3068,10 +3073,9 @@
           <a:lstStyle/>
           <a:p>
             <a:r>
-              <a:rPr kumimoji="0" lang="en-US" smtClean="0"/>
+              <a:rPr kumimoji="0" lang="en-US"/>
               <a:t>Click to edit Master title style</a:t>
             </a:r>
-            <a:endParaRPr kumimoji="0" lang="en-US"/>
           </a:p>
         </p:txBody>
       </p:sp>
@@ -3102,38 +3106,37 @@
           <a:p>
             <a:pPr lvl="0" eaLnBrk="1" latinLnBrk="0" hangingPunct="1"/>
             <a:r>
-              <a:rPr kumimoji="0" lang="en-US" smtClean="0"/>
+              <a:rPr kumimoji="0" lang="en-US"/>
               <a:t>Click to edit Master text styles</a:t>
             </a:r>
           </a:p>
           <a:p>
             <a:pPr lvl="1" eaLnBrk="1" latinLnBrk="0" hangingPunct="1"/>
             <a:r>
-              <a:rPr kumimoji="0" lang="en-US" smtClean="0"/>
+              <a:rPr kumimoji="0" lang="en-US"/>
               <a:t>Second level</a:t>
             </a:r>
           </a:p>
           <a:p>
             <a:pPr lvl="2" eaLnBrk="1" latinLnBrk="0" hangingPunct="1"/>
             <a:r>
-              <a:rPr kumimoji="0" lang="en-US" smtClean="0"/>
+              <a:rPr kumimoji="0" lang="en-US"/>
               <a:t>Third level</a:t>
             </a:r>
           </a:p>
           <a:p>
             <a:pPr lvl="3" eaLnBrk="1" latinLnBrk="0" hangingPunct="1"/>
             <a:r>
-              <a:rPr kumimoji="0" lang="en-US" smtClean="0"/>
+              <a:rPr kumimoji="0" lang="en-US"/>
               <a:t>Fourth level</a:t>
             </a:r>
           </a:p>
           <a:p>
             <a:pPr lvl="4" eaLnBrk="1" latinLnBrk="0" hangingPunct="1"/>
             <a:r>
-              <a:rPr kumimoji="0" lang="en-US" smtClean="0"/>
+              <a:rPr kumimoji="0" lang="en-US"/>
               <a:t>Fifth level</a:t>
             </a:r>
-            <a:endParaRPr kumimoji="0" lang="en-US"/>
           </a:p>
         </p:txBody>
       </p:sp>
@@ -3170,7 +3173,7 @@
           <a:p>
             <a:fld id="{80EA1731-DA57-4EC9-807D-858DF09841BD}" type="datetimeFigureOut">
               <a:rPr lang="en-US" smtClean="0"/>
-              <a:t>8/25/2010</a:t>
+              <a:t>1/14/2025</a:t>
             </a:fld>
             <a:endParaRPr lang="en-US"/>
           </a:p>
@@ -3725,11 +3728,11 @@
           <a:lstStyle/>
           <a:p>
             <a:r>
-              <a:rPr lang="en-US" dirty="0" smtClean="0"/>
+              <a:rPr lang="en-US" dirty="0"/>
               <a:t>FAT </a:t>
             </a:r>
             <a:r>
-              <a:rPr lang="en-US" dirty="0" err="1" smtClean="0"/>
+              <a:rPr lang="en-US" dirty="0" err="1"/>
               <a:t>Filesystem</a:t>
             </a:r>
             <a:endParaRPr lang="en-US" dirty="0"/>
@@ -3792,13 +3795,6 @@
   <p:clrMapOvr>
     <a:masterClrMapping/>
   </p:clrMapOvr>
-  <p:timing>
-    <p:tnLst>
-      <p:par>
-        <p:cTn id="1" dur="indefinite" restart="never" nodeType="tmRoot"/>
-      </p:par>
-    </p:tnLst>
-  </p:timing>
 </p:sld>
 </file>
 
@@ -3835,10 +3831,9 @@
           <a:lstStyle/>
           <a:p>
             <a:r>
-              <a:rPr lang="en-US" dirty="0" smtClean="0"/>
+              <a:rPr lang="en-US" dirty="0"/>
               <a:t>Definition: Cluster</a:t>
             </a:r>
-            <a:endParaRPr lang="en-US" dirty="0"/>
           </a:p>
         </p:txBody>
       </p:sp>
@@ -3858,19 +3853,19 @@
           <a:lstStyle/>
           <a:p>
             <a:r>
-              <a:rPr lang="en-US" dirty="0" smtClean="0"/>
+              <a:rPr lang="en-US" dirty="0"/>
               <a:t>A cluster is a block of contiguous sectors</a:t>
             </a:r>
           </a:p>
           <a:p>
             <a:r>
-              <a:rPr lang="en-US" dirty="0" smtClean="0"/>
+              <a:rPr lang="en-US" dirty="0"/>
               <a:t>In  Boot Sector it might indicate that a cluster is 2 sectors, can be (1-128). Thus if sector is 512 bytes then a cluster in this example is 1024 bytes. </a:t>
             </a:r>
           </a:p>
           <a:p>
             <a:r>
-              <a:rPr lang="en-US" dirty="0" smtClean="0"/>
+              <a:rPr lang="en-US" dirty="0"/>
               <a:t>Data section is a collection of clusters</a:t>
             </a:r>
           </a:p>
@@ -3887,13 +3882,6 @@
   <p:clrMapOvr>
     <a:masterClrMapping/>
   </p:clrMapOvr>
-  <p:timing>
-    <p:tnLst>
-      <p:par>
-        <p:cTn id="1" dur="indefinite" restart="never" nodeType="tmRoot"/>
-      </p:par>
-    </p:tnLst>
-  </p:timing>
 </p:sld>
 </file>
 
@@ -3930,10 +3918,9 @@
           <a:lstStyle/>
           <a:p>
             <a:r>
-              <a:rPr lang="en-US" dirty="0" smtClean="0"/>
+              <a:rPr lang="en-US" dirty="0"/>
               <a:t>File Allocation Table</a:t>
             </a:r>
-            <a:endParaRPr lang="en-US" dirty="0"/>
           </a:p>
         </p:txBody>
       </p:sp>
@@ -3955,62 +3942,62 @@
           <a:lstStyle/>
           <a:p>
             <a:r>
-              <a:rPr lang="en-US" dirty="0" smtClean="0"/>
+              <a:rPr lang="en-US" dirty="0"/>
               <a:t>For every cluster in the data section there is a FAT entry. </a:t>
             </a:r>
           </a:p>
           <a:p>
             <a:r>
-              <a:rPr lang="en-US" dirty="0" smtClean="0"/>
+              <a:rPr lang="en-US" dirty="0"/>
               <a:t>The FAT entry is 12, 16, or 32 bits depending on FAT12, FAT16, or FAT32. </a:t>
             </a:r>
           </a:p>
           <a:p>
             <a:r>
-              <a:rPr lang="en-US" dirty="0" smtClean="0"/>
+              <a:rPr lang="en-US" dirty="0"/>
               <a:t>The entry in the FAT table creates a linked list to represent clusters used on a file, with following special flags:</a:t>
             </a:r>
           </a:p>
           <a:p>
             <a:pPr lvl="1"/>
             <a:r>
-              <a:rPr lang="en-US" dirty="0" smtClean="0"/>
+              <a:rPr lang="en-US" dirty="0"/>
               <a:t>0 is a free cluster (not allocated to file)</a:t>
             </a:r>
           </a:p>
           <a:p>
             <a:pPr lvl="1"/>
             <a:r>
-              <a:rPr lang="en-US" dirty="0" smtClean="0"/>
+              <a:rPr lang="en-US" dirty="0"/>
               <a:t>1 reserved cluster (not to be used)</a:t>
             </a:r>
           </a:p>
           <a:p>
             <a:pPr lvl="1"/>
             <a:r>
-              <a:rPr lang="en-US" dirty="0" smtClean="0"/>
+              <a:rPr lang="en-US" dirty="0"/>
               <a:t>0xFFF0-0xFFF6 reserved (not FAT12 </a:t>
             </a:r>
             <a:r>
-              <a:rPr lang="en-US" dirty="0" err="1" smtClean="0"/>
+              <a:rPr lang="en-US" dirty="0" err="1"/>
               <a:t>nominclature</a:t>
             </a:r>
             <a:r>
-              <a:rPr lang="en-US" dirty="0" smtClean="0"/>
+              <a:rPr lang="en-US" dirty="0"/>
               <a:t>) </a:t>
             </a:r>
           </a:p>
           <a:p>
             <a:pPr lvl="1"/>
             <a:r>
-              <a:rPr lang="en-US" dirty="0" smtClean="0"/>
+              <a:rPr lang="en-US" dirty="0"/>
               <a:t>0xFFF7 bad sector on disk</a:t>
             </a:r>
           </a:p>
           <a:p>
             <a:pPr lvl="1"/>
             <a:r>
-              <a:rPr lang="en-US" dirty="0" smtClean="0"/>
+              <a:rPr lang="en-US" dirty="0"/>
               <a:t>0xFFF8-0xFFFF last sector in chain (End Of Chain –EOC)</a:t>
             </a:r>
           </a:p>
@@ -4021,13 +4008,6 @@
   <p:clrMapOvr>
     <a:masterClrMapping/>
   </p:clrMapOvr>
-  <p:timing>
-    <p:tnLst>
-      <p:par>
-        <p:cTn id="1" dur="indefinite" restart="never" nodeType="tmRoot"/>
-      </p:par>
-    </p:tnLst>
-  </p:timing>
 </p:sld>
 </file>
 
@@ -4064,10 +4044,9 @@
           <a:lstStyle/>
           <a:p>
             <a:r>
-              <a:rPr lang="en-US" dirty="0" smtClean="0"/>
+              <a:rPr lang="en-US" dirty="0"/>
               <a:t>FAT Example</a:t>
             </a:r>
-            <a:endParaRPr lang="en-US" dirty="0"/>
           </a:p>
         </p:txBody>
       </p:sp>
@@ -4090,10 +4069,9 @@
               <a:buNone/>
             </a:pPr>
             <a:r>
-              <a:rPr lang="en-US" dirty="0" smtClean="0"/>
+              <a:rPr lang="en-US" dirty="0"/>
               <a:t> </a:t>
             </a:r>
-            <a:endParaRPr lang="en-US" dirty="0"/>
           </a:p>
         </p:txBody>
       </p:sp>
@@ -4132,10 +4110,9 @@
           <a:p>
             <a:pPr algn="ctr"/>
             <a:r>
-              <a:rPr lang="en-US" dirty="0" smtClean="0"/>
+              <a:rPr lang="en-US" dirty="0"/>
               <a:t>3</a:t>
             </a:r>
-            <a:endParaRPr lang="en-US" dirty="0"/>
           </a:p>
         </p:txBody>
       </p:sp>
@@ -4215,10 +4192,9 @@
           <a:p>
             <a:pPr algn="ctr"/>
             <a:r>
-              <a:rPr lang="en-US" dirty="0" smtClean="0"/>
+              <a:rPr lang="en-US" dirty="0"/>
               <a:t>0xFF8</a:t>
             </a:r>
-            <a:endParaRPr lang="en-US" dirty="0"/>
           </a:p>
         </p:txBody>
       </p:sp>
@@ -4257,10 +4233,9 @@
           <a:p>
             <a:pPr algn="ctr"/>
             <a:r>
-              <a:rPr lang="en-US" dirty="0" smtClean="0"/>
+              <a:rPr lang="en-US" dirty="0"/>
               <a:t>0</a:t>
             </a:r>
-            <a:endParaRPr lang="en-US" dirty="0"/>
           </a:p>
         </p:txBody>
       </p:sp>
@@ -4299,10 +4274,9 @@
           <a:p>
             <a:pPr algn="ctr"/>
             <a:r>
-              <a:rPr lang="en-US" dirty="0" smtClean="0"/>
+              <a:rPr lang="en-US" dirty="0"/>
               <a:t>0</a:t>
             </a:r>
-            <a:endParaRPr lang="en-US" dirty="0"/>
           </a:p>
         </p:txBody>
       </p:sp>
@@ -4341,10 +4315,9 @@
           <a:p>
             <a:pPr algn="ctr"/>
             <a:r>
-              <a:rPr lang="en-US" dirty="0" smtClean="0"/>
+              <a:rPr lang="en-US" dirty="0"/>
               <a:t>0</a:t>
             </a:r>
-            <a:endParaRPr lang="en-US" dirty="0"/>
           </a:p>
         </p:txBody>
       </p:sp>
@@ -4491,10 +4464,9 @@
           <a:lstStyle/>
           <a:p>
             <a:r>
-              <a:rPr lang="en-US" dirty="0" smtClean="0"/>
+              <a:rPr lang="en-US" dirty="0"/>
               <a:t>2</a:t>
             </a:r>
-            <a:endParaRPr lang="en-US" dirty="0"/>
           </a:p>
         </p:txBody>
       </p:sp>
@@ -4521,10 +4493,9 @@
           <a:lstStyle/>
           <a:p>
             <a:r>
-              <a:rPr lang="en-US" dirty="0" smtClean="0"/>
+              <a:rPr lang="en-US" dirty="0"/>
               <a:t>3</a:t>
             </a:r>
-            <a:endParaRPr lang="en-US" dirty="0"/>
           </a:p>
         </p:txBody>
       </p:sp>
@@ -4551,10 +4522,9 @@
           <a:lstStyle/>
           <a:p>
             <a:r>
-              <a:rPr lang="en-US" dirty="0" smtClean="0"/>
+              <a:rPr lang="en-US" dirty="0"/>
               <a:t>4</a:t>
             </a:r>
-            <a:endParaRPr lang="en-US" dirty="0"/>
           </a:p>
         </p:txBody>
       </p:sp>
@@ -4581,10 +4551,9 @@
           <a:lstStyle/>
           <a:p>
             <a:r>
-              <a:rPr lang="en-US" dirty="0" smtClean="0"/>
+              <a:rPr lang="en-US" dirty="0"/>
               <a:t>5</a:t>
             </a:r>
-            <a:endParaRPr lang="en-US" dirty="0"/>
           </a:p>
         </p:txBody>
       </p:sp>
@@ -4611,10 +4580,9 @@
           <a:lstStyle/>
           <a:p>
             <a:r>
-              <a:rPr lang="en-US" dirty="0" smtClean="0"/>
+              <a:rPr lang="en-US" dirty="0"/>
               <a:t>6</a:t>
             </a:r>
-            <a:endParaRPr lang="en-US" dirty="0"/>
           </a:p>
         </p:txBody>
       </p:sp>
@@ -4641,10 +4609,9 @@
           <a:lstStyle/>
           <a:p>
             <a:r>
-              <a:rPr lang="en-US" dirty="0" smtClean="0"/>
+              <a:rPr lang="en-US" dirty="0"/>
               <a:t>n</a:t>
             </a:r>
-            <a:endParaRPr lang="en-US" dirty="0"/>
           </a:p>
         </p:txBody>
       </p:sp>
@@ -4683,10 +4650,9 @@
           <a:p>
             <a:pPr algn="ctr"/>
             <a:r>
-              <a:rPr lang="en-US" dirty="0" smtClean="0"/>
+              <a:rPr lang="en-US" dirty="0"/>
               <a:t>USED</a:t>
             </a:r>
-            <a:endParaRPr lang="en-US" dirty="0"/>
           </a:p>
         </p:txBody>
       </p:sp>
@@ -4713,10 +4679,9 @@
           <a:lstStyle/>
           <a:p>
             <a:r>
-              <a:rPr lang="en-US" sz="2400" b="1" dirty="0" smtClean="0"/>
+              <a:rPr lang="en-US" sz="2400" b="1" dirty="0"/>
               <a:t>FAT</a:t>
             </a:r>
-            <a:endParaRPr lang="en-US" sz="2400" b="1" dirty="0"/>
           </a:p>
         </p:txBody>
       </p:sp>
@@ -4743,10 +4708,9 @@
           <a:lstStyle/>
           <a:p>
             <a:r>
-              <a:rPr lang="en-US" sz="2400" b="1" dirty="0" smtClean="0"/>
+              <a:rPr lang="en-US" sz="2400" b="1" dirty="0"/>
               <a:t>Clusters</a:t>
             </a:r>
-            <a:endParaRPr lang="en-US" sz="2400" b="1" dirty="0"/>
           </a:p>
         </p:txBody>
       </p:sp>
@@ -4785,10 +4749,9 @@
           <a:p>
             <a:pPr algn="ctr"/>
             <a:r>
-              <a:rPr lang="en-US" dirty="0" smtClean="0"/>
+              <a:rPr lang="en-US" dirty="0"/>
               <a:t>USED</a:t>
             </a:r>
-            <a:endParaRPr lang="en-US" dirty="0"/>
           </a:p>
         </p:txBody>
       </p:sp>
@@ -4827,10 +4790,9 @@
           <a:p>
             <a:pPr algn="ctr"/>
             <a:r>
-              <a:rPr lang="en-US" dirty="0" smtClean="0"/>
+              <a:rPr lang="en-US" dirty="0"/>
               <a:t>USED</a:t>
             </a:r>
-            <a:endParaRPr lang="en-US" dirty="0"/>
           </a:p>
         </p:txBody>
       </p:sp>
@@ -4857,10 +4819,9 @@
           <a:lstStyle/>
           <a:p>
             <a:r>
-              <a:rPr lang="en-US" dirty="0" smtClean="0"/>
+              <a:rPr lang="en-US" dirty="0"/>
               <a:t>2</a:t>
             </a:r>
-            <a:endParaRPr lang="en-US" dirty="0"/>
           </a:p>
         </p:txBody>
       </p:sp>
@@ -4916,10 +4877,9 @@
           <a:lstStyle/>
           <a:p>
             <a:r>
-              <a:rPr lang="en-US" dirty="0" smtClean="0"/>
+              <a:rPr lang="en-US" dirty="0"/>
               <a:t>0</a:t>
             </a:r>
-            <a:endParaRPr lang="en-US" dirty="0"/>
           </a:p>
         </p:txBody>
       </p:sp>
@@ -4946,10 +4906,9 @@
           <a:lstStyle/>
           <a:p>
             <a:r>
-              <a:rPr lang="en-US" dirty="0" smtClean="0"/>
+              <a:rPr lang="en-US" dirty="0"/>
               <a:t>3</a:t>
             </a:r>
-            <a:endParaRPr lang="en-US" dirty="0"/>
           </a:p>
         </p:txBody>
       </p:sp>
@@ -4988,10 +4947,9 @@
           <a:p>
             <a:pPr algn="ctr"/>
             <a:r>
-              <a:rPr lang="en-US" dirty="0" smtClean="0"/>
+              <a:rPr lang="en-US" dirty="0"/>
               <a:t>FREE</a:t>
             </a:r>
-            <a:endParaRPr lang="en-US" dirty="0"/>
           </a:p>
         </p:txBody>
       </p:sp>
@@ -5030,10 +4988,9 @@
           <a:p>
             <a:pPr algn="ctr"/>
             <a:r>
-              <a:rPr lang="en-US" dirty="0" smtClean="0"/>
+              <a:rPr lang="en-US" dirty="0"/>
               <a:t>FREE</a:t>
             </a:r>
-            <a:endParaRPr lang="en-US" dirty="0"/>
           </a:p>
         </p:txBody>
       </p:sp>
@@ -5072,10 +5029,9 @@
           <a:p>
             <a:pPr algn="ctr"/>
             <a:r>
-              <a:rPr lang="en-US" dirty="0" smtClean="0"/>
+              <a:rPr lang="en-US" dirty="0"/>
               <a:t>FREE</a:t>
             </a:r>
-            <a:endParaRPr lang="en-US" dirty="0"/>
           </a:p>
         </p:txBody>
       </p:sp>
@@ -5102,10 +5058,9 @@
           <a:lstStyle/>
           <a:p>
             <a:r>
-              <a:rPr lang="en-US" dirty="0" smtClean="0"/>
+              <a:rPr lang="en-US" dirty="0"/>
               <a:t>4</a:t>
             </a:r>
-            <a:endParaRPr lang="en-US" dirty="0"/>
           </a:p>
         </p:txBody>
       </p:sp>
@@ -5132,10 +5087,9 @@
           <a:lstStyle/>
           <a:p>
             <a:r>
-              <a:rPr lang="en-US" dirty="0" smtClean="0"/>
+              <a:rPr lang="en-US" dirty="0"/>
               <a:t>n-2</a:t>
             </a:r>
-            <a:endParaRPr lang="en-US" dirty="0"/>
           </a:p>
         </p:txBody>
       </p:sp>
@@ -5480,13 +5434,6 @@
   <p:clrMapOvr>
     <a:masterClrMapping/>
   </p:clrMapOvr>
-  <p:timing>
-    <p:tnLst>
-      <p:par>
-        <p:cTn id="1" dur="indefinite" restart="never" nodeType="tmRoot"/>
-      </p:par>
-    </p:tnLst>
-  </p:timing>
 </p:sld>
 </file>
 
@@ -5523,10 +5470,9 @@
           <a:lstStyle/>
           <a:p>
             <a:r>
-              <a:rPr lang="en-US" dirty="0" smtClean="0"/>
+              <a:rPr lang="en-US" dirty="0"/>
               <a:t>Directory Table</a:t>
             </a:r>
-            <a:endParaRPr lang="en-US" dirty="0"/>
           </a:p>
         </p:txBody>
       </p:sp>
@@ -5546,51 +5492,50 @@
           <a:lstStyle/>
           <a:p>
             <a:r>
-              <a:rPr lang="en-US" dirty="0" smtClean="0"/>
+              <a:rPr lang="en-US" dirty="0"/>
               <a:t>The directory table links a file name, or directory, to a cluster chain in FAT. </a:t>
             </a:r>
           </a:p>
           <a:p>
             <a:r>
-              <a:rPr lang="en-US" dirty="0" smtClean="0"/>
+              <a:rPr lang="en-US" dirty="0"/>
               <a:t>Basic information in a directory entry are:</a:t>
             </a:r>
           </a:p>
           <a:p>
             <a:pPr lvl="1"/>
             <a:r>
-              <a:rPr lang="en-US" dirty="0" smtClean="0"/>
+              <a:rPr lang="en-US" dirty="0"/>
               <a:t>File name and extension</a:t>
             </a:r>
           </a:p>
           <a:p>
             <a:pPr lvl="1"/>
             <a:r>
-              <a:rPr lang="en-US" dirty="0" smtClean="0"/>
+              <a:rPr lang="en-US" dirty="0"/>
               <a:t>File Attributes</a:t>
             </a:r>
           </a:p>
           <a:p>
             <a:pPr lvl="1"/>
             <a:r>
-              <a:rPr lang="en-US" dirty="0" smtClean="0"/>
+              <a:rPr lang="en-US" dirty="0"/>
               <a:t>Time stamps</a:t>
             </a:r>
           </a:p>
           <a:p>
             <a:pPr lvl="1"/>
             <a:r>
-              <a:rPr lang="en-US" dirty="0" smtClean="0"/>
+              <a:rPr lang="en-US" dirty="0"/>
               <a:t>File Size in bytes</a:t>
             </a:r>
           </a:p>
           <a:p>
             <a:pPr lvl="1"/>
             <a:r>
-              <a:rPr lang="en-US" dirty="0" smtClean="0"/>
+              <a:rPr lang="en-US" dirty="0"/>
               <a:t>First cluster in file</a:t>
             </a:r>
-            <a:endParaRPr lang="en-US" dirty="0"/>
           </a:p>
         </p:txBody>
       </p:sp>
@@ -5599,13 +5544,6 @@
   <p:clrMapOvr>
     <a:masterClrMapping/>
   </p:clrMapOvr>
-  <p:timing>
-    <p:tnLst>
-      <p:par>
-        <p:cTn id="1" dur="indefinite" restart="never" nodeType="tmRoot"/>
-      </p:par>
-    </p:tnLst>
-  </p:timing>
 </p:sld>
 </file>
 
@@ -5642,10 +5580,9 @@
           <a:lstStyle/>
           <a:p>
             <a:r>
-              <a:rPr lang="en-US" dirty="0" smtClean="0"/>
+              <a:rPr lang="en-US" dirty="0"/>
               <a:t>File Example</a:t>
             </a:r>
-            <a:endParaRPr lang="en-US" dirty="0"/>
           </a:p>
         </p:txBody>
       </p:sp>
@@ -5685,13 +5622,8 @@
             <a:pPr algn="ctr"/>
             <a:r>
               <a:rPr lang="en-US" dirty="0"/>
-              <a:t>t</a:t>
-            </a:r>
-            <a:r>
-              <a:rPr lang="en-US" dirty="0" smtClean="0"/>
-              <a:t>ext.txt</a:t>
-            </a:r>
-            <a:endParaRPr lang="en-US" dirty="0"/>
+              <a:t>text.txt</a:t>
+            </a:r>
           </a:p>
         </p:txBody>
       </p:sp>
@@ -5718,10 +5650,9 @@
           <a:lstStyle/>
           <a:p>
             <a:r>
-              <a:rPr lang="en-US" dirty="0" smtClean="0"/>
+              <a:rPr lang="en-US" dirty="0"/>
               <a:t>File Name</a:t>
             </a:r>
-            <a:endParaRPr lang="en-US" dirty="0"/>
           </a:p>
         </p:txBody>
       </p:sp>
@@ -5760,10 +5691,9 @@
           <a:p>
             <a:pPr algn="ctr"/>
             <a:r>
-              <a:rPr lang="en-US" dirty="0" smtClean="0"/>
+              <a:rPr lang="en-US" dirty="0"/>
               <a:t>10</a:t>
             </a:r>
-            <a:endParaRPr lang="en-US" dirty="0"/>
           </a:p>
         </p:txBody>
       </p:sp>
@@ -5790,10 +5720,9 @@
           <a:lstStyle/>
           <a:p>
             <a:r>
-              <a:rPr lang="en-US" dirty="0" smtClean="0"/>
+              <a:rPr lang="en-US" dirty="0"/>
               <a:t>Size (Bytes)</a:t>
             </a:r>
-            <a:endParaRPr lang="en-US" dirty="0"/>
           </a:p>
         </p:txBody>
       </p:sp>
@@ -5832,10 +5761,9 @@
           <a:p>
             <a:pPr algn="ctr"/>
             <a:r>
-              <a:rPr lang="en-US" dirty="0" smtClean="0"/>
+              <a:rPr lang="en-US" dirty="0"/>
               <a:t>2</a:t>
             </a:r>
-            <a:endParaRPr lang="en-US" dirty="0"/>
           </a:p>
         </p:txBody>
       </p:sp>
@@ -5862,10 +5790,9 @@
           <a:lstStyle/>
           <a:p>
             <a:r>
-              <a:rPr lang="en-US" dirty="0" smtClean="0"/>
+              <a:rPr lang="en-US" dirty="0"/>
               <a:t>First Cluster</a:t>
             </a:r>
-            <a:endParaRPr lang="en-US" dirty="0"/>
           </a:p>
         </p:txBody>
       </p:sp>
@@ -5904,10 +5831,9 @@
           <a:p>
             <a:pPr algn="ctr"/>
             <a:r>
-              <a:rPr lang="en-US" dirty="0" smtClean="0"/>
+              <a:rPr lang="en-US" dirty="0"/>
               <a:t>3</a:t>
             </a:r>
-            <a:endParaRPr lang="en-US" dirty="0"/>
           </a:p>
         </p:txBody>
       </p:sp>
@@ -5987,10 +5913,9 @@
           <a:p>
             <a:pPr algn="ctr"/>
             <a:r>
-              <a:rPr lang="en-US" dirty="0" smtClean="0"/>
+              <a:rPr lang="en-US" dirty="0"/>
               <a:t>0xFF8</a:t>
             </a:r>
-            <a:endParaRPr lang="en-US" dirty="0"/>
           </a:p>
         </p:txBody>
       </p:sp>
@@ -6029,10 +5954,9 @@
           <a:p>
             <a:pPr algn="ctr"/>
             <a:r>
-              <a:rPr lang="en-US" dirty="0" smtClean="0"/>
+              <a:rPr lang="en-US" dirty="0"/>
               <a:t>0</a:t>
             </a:r>
-            <a:endParaRPr lang="en-US" dirty="0"/>
           </a:p>
         </p:txBody>
       </p:sp>
@@ -6071,10 +5995,9 @@
           <a:p>
             <a:pPr algn="ctr"/>
             <a:r>
-              <a:rPr lang="en-US" dirty="0" smtClean="0"/>
+              <a:rPr lang="en-US" dirty="0"/>
               <a:t>0</a:t>
             </a:r>
-            <a:endParaRPr lang="en-US" dirty="0"/>
           </a:p>
         </p:txBody>
       </p:sp>
@@ -6113,10 +6036,9 @@
           <a:p>
             <a:pPr algn="ctr"/>
             <a:r>
-              <a:rPr lang="en-US" dirty="0" smtClean="0"/>
+              <a:rPr lang="en-US" dirty="0"/>
               <a:t>0</a:t>
             </a:r>
-            <a:endParaRPr lang="en-US" dirty="0"/>
           </a:p>
         </p:txBody>
       </p:sp>
@@ -6263,10 +6185,9 @@
           <a:lstStyle/>
           <a:p>
             <a:r>
-              <a:rPr lang="en-US" dirty="0" smtClean="0"/>
+              <a:rPr lang="en-US" dirty="0"/>
               <a:t>2</a:t>
             </a:r>
-            <a:endParaRPr lang="en-US" dirty="0"/>
           </a:p>
         </p:txBody>
       </p:sp>
@@ -6293,10 +6214,9 @@
           <a:lstStyle/>
           <a:p>
             <a:r>
-              <a:rPr lang="en-US" dirty="0" smtClean="0"/>
+              <a:rPr lang="en-US" dirty="0"/>
               <a:t>3</a:t>
             </a:r>
-            <a:endParaRPr lang="en-US" dirty="0"/>
           </a:p>
         </p:txBody>
       </p:sp>
@@ -6323,10 +6243,9 @@
           <a:lstStyle/>
           <a:p>
             <a:r>
-              <a:rPr lang="en-US" dirty="0" smtClean="0"/>
+              <a:rPr lang="en-US" dirty="0"/>
               <a:t>4</a:t>
             </a:r>
-            <a:endParaRPr lang="en-US" dirty="0"/>
           </a:p>
         </p:txBody>
       </p:sp>
@@ -6353,10 +6272,9 @@
           <a:lstStyle/>
           <a:p>
             <a:r>
-              <a:rPr lang="en-US" dirty="0" smtClean="0"/>
+              <a:rPr lang="en-US" dirty="0"/>
               <a:t>5</a:t>
             </a:r>
-            <a:endParaRPr lang="en-US" dirty="0"/>
           </a:p>
         </p:txBody>
       </p:sp>
@@ -6383,10 +6301,9 @@
           <a:lstStyle/>
           <a:p>
             <a:r>
-              <a:rPr lang="en-US" dirty="0" smtClean="0"/>
+              <a:rPr lang="en-US" dirty="0"/>
               <a:t>6</a:t>
             </a:r>
-            <a:endParaRPr lang="en-US" dirty="0"/>
           </a:p>
         </p:txBody>
       </p:sp>
@@ -6413,10 +6330,9 @@
           <a:lstStyle/>
           <a:p>
             <a:r>
-              <a:rPr lang="en-US" dirty="0" smtClean="0"/>
+              <a:rPr lang="en-US" dirty="0"/>
               <a:t>n</a:t>
             </a:r>
-            <a:endParaRPr lang="en-US" dirty="0"/>
           </a:p>
         </p:txBody>
       </p:sp>
@@ -6455,10 +6371,9 @@
           <a:p>
             <a:pPr algn="ctr"/>
             <a:r>
-              <a:rPr lang="en-US" dirty="0" smtClean="0"/>
+              <a:rPr lang="en-US" dirty="0"/>
               <a:t>USED</a:t>
             </a:r>
-            <a:endParaRPr lang="en-US" dirty="0"/>
           </a:p>
         </p:txBody>
       </p:sp>
@@ -6485,10 +6400,9 @@
           <a:lstStyle/>
           <a:p>
             <a:r>
-              <a:rPr lang="en-US" sz="2400" b="1" dirty="0" smtClean="0"/>
+              <a:rPr lang="en-US" sz="2400" b="1" dirty="0"/>
               <a:t>FAT</a:t>
             </a:r>
-            <a:endParaRPr lang="en-US" sz="2400" b="1" dirty="0"/>
           </a:p>
         </p:txBody>
       </p:sp>
@@ -6515,10 +6429,9 @@
           <a:lstStyle/>
           <a:p>
             <a:r>
-              <a:rPr lang="en-US" sz="2400" b="1" dirty="0" smtClean="0"/>
+              <a:rPr lang="en-US" sz="2400" b="1" dirty="0"/>
               <a:t>Clusters</a:t>
             </a:r>
-            <a:endParaRPr lang="en-US" sz="2400" b="1" dirty="0"/>
           </a:p>
         </p:txBody>
       </p:sp>
@@ -6557,10 +6470,9 @@
           <a:p>
             <a:pPr algn="ctr"/>
             <a:r>
-              <a:rPr lang="en-US" dirty="0" smtClean="0"/>
+              <a:rPr lang="en-US" dirty="0"/>
               <a:t>USED</a:t>
             </a:r>
-            <a:endParaRPr lang="en-US" dirty="0"/>
           </a:p>
         </p:txBody>
       </p:sp>
@@ -6599,10 +6511,9 @@
           <a:p>
             <a:pPr algn="ctr"/>
             <a:r>
-              <a:rPr lang="en-US" dirty="0" smtClean="0"/>
+              <a:rPr lang="en-US" dirty="0"/>
               <a:t>USED</a:t>
             </a:r>
-            <a:endParaRPr lang="en-US" dirty="0"/>
           </a:p>
         </p:txBody>
       </p:sp>
@@ -6629,10 +6540,9 @@
           <a:lstStyle/>
           <a:p>
             <a:r>
-              <a:rPr lang="en-US" dirty="0" smtClean="0"/>
+              <a:rPr lang="en-US" dirty="0"/>
               <a:t>2</a:t>
             </a:r>
-            <a:endParaRPr lang="en-US" dirty="0"/>
           </a:p>
         </p:txBody>
       </p:sp>
@@ -6688,10 +6598,9 @@
           <a:lstStyle/>
           <a:p>
             <a:r>
-              <a:rPr lang="en-US" dirty="0" smtClean="0"/>
+              <a:rPr lang="en-US" dirty="0"/>
               <a:t>0</a:t>
             </a:r>
-            <a:endParaRPr lang="en-US" dirty="0"/>
           </a:p>
         </p:txBody>
       </p:sp>
@@ -6718,10 +6627,9 @@
           <a:lstStyle/>
           <a:p>
             <a:r>
-              <a:rPr lang="en-US" dirty="0" smtClean="0"/>
+              <a:rPr lang="en-US" dirty="0"/>
               <a:t>3</a:t>
             </a:r>
-            <a:endParaRPr lang="en-US" dirty="0"/>
           </a:p>
         </p:txBody>
       </p:sp>
@@ -6760,10 +6668,9 @@
           <a:p>
             <a:pPr algn="ctr"/>
             <a:r>
-              <a:rPr lang="en-US" dirty="0" smtClean="0"/>
+              <a:rPr lang="en-US" dirty="0"/>
               <a:t>FREE</a:t>
             </a:r>
-            <a:endParaRPr lang="en-US" dirty="0"/>
           </a:p>
         </p:txBody>
       </p:sp>
@@ -6802,10 +6709,9 @@
           <a:p>
             <a:pPr algn="ctr"/>
             <a:r>
-              <a:rPr lang="en-US" dirty="0" smtClean="0"/>
+              <a:rPr lang="en-US" dirty="0"/>
               <a:t>FREE</a:t>
             </a:r>
-            <a:endParaRPr lang="en-US" dirty="0"/>
           </a:p>
         </p:txBody>
       </p:sp>
@@ -6844,10 +6750,9 @@
           <a:p>
             <a:pPr algn="ctr"/>
             <a:r>
-              <a:rPr lang="en-US" dirty="0" smtClean="0"/>
+              <a:rPr lang="en-US" dirty="0"/>
               <a:t>FREE</a:t>
             </a:r>
-            <a:endParaRPr lang="en-US" dirty="0"/>
           </a:p>
         </p:txBody>
       </p:sp>
@@ -6874,10 +6779,9 @@
           <a:lstStyle/>
           <a:p>
             <a:r>
-              <a:rPr lang="en-US" dirty="0" smtClean="0"/>
+              <a:rPr lang="en-US" dirty="0"/>
               <a:t>4</a:t>
             </a:r>
-            <a:endParaRPr lang="en-US" dirty="0"/>
           </a:p>
         </p:txBody>
       </p:sp>
@@ -6904,10 +6808,9 @@
           <a:lstStyle/>
           <a:p>
             <a:r>
-              <a:rPr lang="en-US" dirty="0" smtClean="0"/>
+              <a:rPr lang="en-US" dirty="0"/>
               <a:t>n-2</a:t>
             </a:r>
-            <a:endParaRPr lang="en-US" dirty="0"/>
           </a:p>
         </p:txBody>
       </p:sp>
@@ -7306,10 +7209,9 @@
           <a:lstStyle/>
           <a:p>
             <a:r>
-              <a:rPr lang="en-US" sz="2400" b="1" dirty="0" smtClean="0"/>
+              <a:rPr lang="en-US" sz="2400" b="1" dirty="0"/>
               <a:t>Directory Entry</a:t>
             </a:r>
-            <a:endParaRPr lang="en-US" sz="2400" b="1" dirty="0"/>
           </a:p>
         </p:txBody>
       </p:sp>
@@ -7318,13 +7220,6 @@
   <p:clrMapOvr>
     <a:masterClrMapping/>
   </p:clrMapOvr>
-  <p:timing>
-    <p:tnLst>
-      <p:par>
-        <p:cTn id="1" dur="indefinite" restart="never" nodeType="tmRoot"/>
-      </p:par>
-    </p:tnLst>
-  </p:timing>
 </p:sld>
 </file>
 
@@ -7361,10 +7256,9 @@
           <a:lstStyle/>
           <a:p>
             <a:r>
-              <a:rPr lang="en-US" dirty="0" smtClean="0"/>
+              <a:rPr lang="en-US" dirty="0"/>
               <a:t>File Example Continued</a:t>
             </a:r>
-            <a:endParaRPr lang="en-US" dirty="0"/>
           </a:p>
         </p:txBody>
       </p:sp>
@@ -7384,25 +7278,25 @@
           <a:lstStyle/>
           <a:p>
             <a:r>
-              <a:rPr lang="en-US" dirty="0" smtClean="0"/>
+              <a:rPr lang="en-US" dirty="0"/>
               <a:t>Assume cluster size is 1024 bytes</a:t>
             </a:r>
           </a:p>
           <a:p>
             <a:r>
-              <a:rPr lang="en-US" dirty="0" smtClean="0"/>
+              <a:rPr lang="en-US" dirty="0"/>
               <a:t>In previous example what is size of file on disk?</a:t>
             </a:r>
           </a:p>
           <a:p>
             <a:r>
-              <a:rPr lang="en-US" dirty="0" smtClean="0"/>
+              <a:rPr lang="en-US" dirty="0"/>
               <a:t>How many bytes on disk are used? </a:t>
             </a:r>
           </a:p>
           <a:p>
             <a:r>
-              <a:rPr lang="en-US" dirty="0" smtClean="0"/>
+              <a:rPr lang="en-US" dirty="0"/>
               <a:t>Hence a file can be no smaller than one cluster.</a:t>
             </a:r>
           </a:p>
@@ -7416,13 +7310,6 @@
   <p:clrMapOvr>
     <a:masterClrMapping/>
   </p:clrMapOvr>
-  <p:timing>
-    <p:tnLst>
-      <p:par>
-        <p:cTn id="1" dur="indefinite" restart="never" nodeType="tmRoot"/>
-      </p:par>
-    </p:tnLst>
-  </p:timing>
 </p:sld>
 </file>
 
@@ -7459,10 +7346,9 @@
           <a:lstStyle/>
           <a:p>
             <a:r>
-              <a:rPr lang="en-US" dirty="0" smtClean="0"/>
+              <a:rPr lang="en-US" dirty="0"/>
               <a:t>What is a Directory?</a:t>
             </a:r>
-            <a:endParaRPr lang="en-US" dirty="0"/>
           </a:p>
         </p:txBody>
       </p:sp>
@@ -7482,19 +7368,19 @@
           <a:lstStyle/>
           <a:p>
             <a:r>
-              <a:rPr lang="en-US" dirty="0" smtClean="0"/>
+              <a:rPr lang="en-US" dirty="0"/>
               <a:t>A directory and a file are basically the same in FAT, both are just entries in Directory Table. </a:t>
             </a:r>
           </a:p>
           <a:p>
             <a:r>
-              <a:rPr lang="en-US" dirty="0" smtClean="0"/>
+              <a:rPr lang="en-US" dirty="0"/>
               <a:t>A directory has the file attribute set to indicate a directory.</a:t>
             </a:r>
           </a:p>
           <a:p>
             <a:r>
-              <a:rPr lang="en-US" dirty="0" smtClean="0"/>
+              <a:rPr lang="en-US" dirty="0"/>
               <a:t>The “directory file” contains a Directory Table, thus a sub directory is a file that contains Directory Table entries. </a:t>
             </a:r>
           </a:p>
@@ -7505,13 +7391,6 @@
   <p:clrMapOvr>
     <a:masterClrMapping/>
   </p:clrMapOvr>
-  <p:timing>
-    <p:tnLst>
-      <p:par>
-        <p:cTn id="1" dur="indefinite" restart="never" nodeType="tmRoot"/>
-      </p:par>
-    </p:tnLst>
-  </p:timing>
 </p:sld>
 </file>
 
@@ -7548,10 +7427,9 @@
           <a:lstStyle/>
           <a:p>
             <a:r>
-              <a:rPr lang="en-US" dirty="0" smtClean="0"/>
+              <a:rPr lang="en-US" dirty="0"/>
               <a:t>Root Directory</a:t>
             </a:r>
-            <a:endParaRPr lang="en-US" dirty="0"/>
           </a:p>
         </p:txBody>
       </p:sp>
@@ -7571,7 +7449,7 @@
           <a:lstStyle/>
           <a:p>
             <a:r>
-              <a:rPr lang="en-US" dirty="0" smtClean="0"/>
+              <a:rPr lang="en-US" dirty="0"/>
               <a:t>FAT12 and FAT16 reserved clusters for root directory</a:t>
             </a:r>
           </a:p>
@@ -7580,16 +7458,15 @@
           </a:p>
           <a:p>
             <a:r>
-              <a:rPr lang="en-US" dirty="0" smtClean="0"/>
+              <a:rPr lang="en-US" dirty="0"/>
               <a:t>This limited maximum number of root directory entries.</a:t>
             </a:r>
           </a:p>
           <a:p>
             <a:r>
-              <a:rPr lang="en-US" dirty="0" smtClean="0"/>
+              <a:rPr lang="en-US" dirty="0"/>
               <a:t>FAT32 fixed this and allows the size of root directory to grow, just like any other file. </a:t>
             </a:r>
-            <a:endParaRPr lang="en-US" dirty="0"/>
           </a:p>
         </p:txBody>
       </p:sp>
@@ -7628,17 +7505,16 @@
           <a:p>
             <a:pPr algn="ctr"/>
             <a:r>
-              <a:rPr lang="en-US" dirty="0" smtClean="0"/>
+              <a:rPr lang="en-US" dirty="0"/>
               <a:t>Boot</a:t>
             </a:r>
           </a:p>
           <a:p>
             <a:pPr algn="ctr"/>
             <a:r>
-              <a:rPr lang="en-US" dirty="0" smtClean="0"/>
+              <a:rPr lang="en-US" dirty="0"/>
               <a:t>Sector</a:t>
             </a:r>
-            <a:endParaRPr lang="en-US" dirty="0"/>
           </a:p>
         </p:txBody>
       </p:sp>
@@ -7677,17 +7553,16 @@
           <a:p>
             <a:pPr algn="ctr"/>
             <a:r>
-              <a:rPr lang="en-US" dirty="0" smtClean="0"/>
+              <a:rPr lang="en-US" dirty="0"/>
               <a:t>FS Info</a:t>
             </a:r>
           </a:p>
           <a:p>
             <a:pPr algn="ctr"/>
             <a:r>
-              <a:rPr lang="en-US" dirty="0" smtClean="0"/>
+              <a:rPr lang="en-US" dirty="0"/>
               <a:t>(FAT32)</a:t>
             </a:r>
-            <a:endParaRPr lang="en-US" dirty="0"/>
           </a:p>
         </p:txBody>
       </p:sp>
@@ -7726,17 +7601,16 @@
           <a:p>
             <a:pPr algn="ctr"/>
             <a:r>
-              <a:rPr lang="en-US" dirty="0" smtClean="0"/>
+              <a:rPr lang="en-US" dirty="0"/>
               <a:t>Reserved</a:t>
             </a:r>
           </a:p>
           <a:p>
             <a:pPr algn="ctr"/>
             <a:r>
-              <a:rPr lang="en-US" dirty="0" smtClean="0"/>
+              <a:rPr lang="en-US" dirty="0"/>
               <a:t>Sectors</a:t>
             </a:r>
-            <a:endParaRPr lang="en-US" dirty="0"/>
           </a:p>
         </p:txBody>
       </p:sp>
@@ -7775,10 +7649,9 @@
           <a:p>
             <a:pPr algn="ctr"/>
             <a:r>
-              <a:rPr lang="en-US" dirty="0" smtClean="0"/>
+              <a:rPr lang="en-US" dirty="0"/>
               <a:t>FAT #1</a:t>
             </a:r>
-            <a:endParaRPr lang="en-US" dirty="0"/>
           </a:p>
         </p:txBody>
       </p:sp>
@@ -7817,10 +7690,9 @@
           <a:p>
             <a:pPr algn="ctr"/>
             <a:r>
-              <a:rPr lang="en-US" dirty="0" smtClean="0"/>
+              <a:rPr lang="en-US" dirty="0"/>
               <a:t>FAT #2</a:t>
             </a:r>
-            <a:endParaRPr lang="en-US" dirty="0"/>
           </a:p>
         </p:txBody>
       </p:sp>
@@ -7859,10 +7731,9 @@
           <a:p>
             <a:pPr algn="ctr"/>
             <a:r>
-              <a:rPr lang="en-US" dirty="0" smtClean="0"/>
+              <a:rPr lang="en-US" dirty="0"/>
               <a:t>Root Directory (FAT12 FAT16)</a:t>
             </a:r>
-            <a:endParaRPr lang="en-US" dirty="0"/>
           </a:p>
         </p:txBody>
       </p:sp>
@@ -7901,10 +7772,9 @@
           <a:p>
             <a:pPr algn="ctr"/>
             <a:r>
-              <a:rPr lang="en-US" dirty="0" smtClean="0"/>
+              <a:rPr lang="en-US" dirty="0"/>
               <a:t>Data</a:t>
             </a:r>
-            <a:endParaRPr lang="en-US" dirty="0"/>
           </a:p>
         </p:txBody>
       </p:sp>
@@ -7913,13 +7783,6 @@
   <p:clrMapOvr>
     <a:masterClrMapping/>
   </p:clrMapOvr>
-  <p:timing>
-    <p:tnLst>
-      <p:par>
-        <p:cTn id="1" dur="indefinite" restart="never" nodeType="tmRoot"/>
-      </p:par>
-    </p:tnLst>
-  </p:timing>
 </p:sld>
 </file>
 
@@ -7975,10 +7838,9 @@
           <a:p>
             <a:pPr algn="ctr"/>
             <a:r>
-              <a:rPr lang="en-US" dirty="0" smtClean="0"/>
+              <a:rPr lang="en-US" dirty="0"/>
               <a:t>0xFF8</a:t>
             </a:r>
-            <a:endParaRPr lang="en-US" dirty="0"/>
           </a:p>
         </p:txBody>
       </p:sp>
@@ -8017,10 +7879,9 @@
           <a:p>
             <a:pPr algn="ctr"/>
             <a:r>
-              <a:rPr lang="en-US" dirty="0" smtClean="0"/>
+              <a:rPr lang="en-US" dirty="0"/>
               <a:t>10</a:t>
             </a:r>
-            <a:endParaRPr lang="en-US" dirty="0"/>
           </a:p>
         </p:txBody>
       </p:sp>
@@ -8059,10 +7920,9 @@
           <a:p>
             <a:pPr algn="ctr"/>
             <a:r>
-              <a:rPr lang="en-US" dirty="0" smtClean="0"/>
+              <a:rPr lang="en-US" dirty="0"/>
               <a:t>Free</a:t>
             </a:r>
-            <a:endParaRPr lang="en-US" dirty="0"/>
           </a:p>
         </p:txBody>
       </p:sp>
@@ -8101,10 +7961,9 @@
           <a:p>
             <a:pPr algn="ctr"/>
             <a:r>
-              <a:rPr lang="en-US" dirty="0" smtClean="0"/>
+              <a:rPr lang="en-US" dirty="0"/>
               <a:t>FREE</a:t>
             </a:r>
-            <a:endParaRPr lang="en-US" dirty="0"/>
           </a:p>
         </p:txBody>
       </p:sp>
@@ -8143,10 +8002,9 @@
           <a:p>
             <a:pPr algn="ctr"/>
             <a:r>
-              <a:rPr lang="en-US" dirty="0" smtClean="0"/>
+              <a:rPr lang="en-US" dirty="0"/>
               <a:t>0</a:t>
             </a:r>
-            <a:endParaRPr lang="en-US" dirty="0"/>
           </a:p>
         </p:txBody>
       </p:sp>
@@ -8185,10 +8043,9 @@
           <a:p>
             <a:pPr algn="ctr"/>
             <a:r>
-              <a:rPr lang="en-US" dirty="0" smtClean="0"/>
+              <a:rPr lang="en-US" dirty="0"/>
               <a:t>0</a:t>
             </a:r>
-            <a:endParaRPr lang="en-US" dirty="0"/>
           </a:p>
         </p:txBody>
       </p:sp>
@@ -8208,10 +8065,9 @@
           <a:lstStyle/>
           <a:p>
             <a:r>
-              <a:rPr lang="en-US" dirty="0" smtClean="0"/>
+              <a:rPr lang="en-US" dirty="0"/>
               <a:t>Fragmentation </a:t>
             </a:r>
-            <a:endParaRPr lang="en-US" dirty="0"/>
           </a:p>
         </p:txBody>
       </p:sp>
@@ -8251,13 +8107,8 @@
             <a:pPr algn="ctr"/>
             <a:r>
               <a:rPr lang="en-US" dirty="0"/>
-              <a:t>t</a:t>
-            </a:r>
-            <a:r>
-              <a:rPr lang="en-US" dirty="0" smtClean="0"/>
-              <a:t>ext.txt</a:t>
-            </a:r>
-            <a:endParaRPr lang="en-US" dirty="0"/>
+              <a:t>text.txt</a:t>
+            </a:r>
           </a:p>
         </p:txBody>
       </p:sp>
@@ -8284,10 +8135,9 @@
           <a:lstStyle/>
           <a:p>
             <a:r>
-              <a:rPr lang="en-US" dirty="0" smtClean="0"/>
+              <a:rPr lang="en-US" dirty="0"/>
               <a:t>File Name</a:t>
             </a:r>
-            <a:endParaRPr lang="en-US" dirty="0"/>
           </a:p>
         </p:txBody>
       </p:sp>
@@ -8326,10 +8176,9 @@
           <a:p>
             <a:pPr algn="ctr"/>
             <a:r>
-              <a:rPr lang="en-US" dirty="0" smtClean="0"/>
+              <a:rPr lang="en-US" dirty="0"/>
               <a:t>1200</a:t>
             </a:r>
-            <a:endParaRPr lang="en-US" dirty="0"/>
           </a:p>
         </p:txBody>
       </p:sp>
@@ -8356,10 +8205,9 @@
           <a:lstStyle/>
           <a:p>
             <a:r>
-              <a:rPr lang="en-US" dirty="0" smtClean="0"/>
+              <a:rPr lang="en-US" dirty="0"/>
               <a:t>Size (Bytes)</a:t>
             </a:r>
-            <a:endParaRPr lang="en-US" dirty="0"/>
           </a:p>
         </p:txBody>
       </p:sp>
@@ -8398,10 +8246,9 @@
           <a:p>
             <a:pPr algn="ctr"/>
             <a:r>
-              <a:rPr lang="en-US" dirty="0" smtClean="0"/>
+              <a:rPr lang="en-US" dirty="0"/>
               <a:t>2</a:t>
             </a:r>
-            <a:endParaRPr lang="en-US" dirty="0"/>
           </a:p>
         </p:txBody>
       </p:sp>
@@ -8428,10 +8275,9 @@
           <a:lstStyle/>
           <a:p>
             <a:r>
-              <a:rPr lang="en-US" dirty="0" smtClean="0"/>
+              <a:rPr lang="en-US" dirty="0"/>
               <a:t>First Cluster</a:t>
             </a:r>
-            <a:endParaRPr lang="en-US" dirty="0"/>
           </a:p>
         </p:txBody>
       </p:sp>
@@ -8470,10 +8316,9 @@
           <a:p>
             <a:pPr algn="ctr"/>
             <a:r>
-              <a:rPr lang="en-US" dirty="0" smtClean="0"/>
+              <a:rPr lang="en-US" dirty="0"/>
               <a:t>4</a:t>
             </a:r>
-            <a:endParaRPr lang="en-US" dirty="0"/>
           </a:p>
         </p:txBody>
       </p:sp>
@@ -8512,10 +8357,9 @@
           <a:p>
             <a:pPr algn="ctr"/>
             <a:r>
-              <a:rPr lang="en-US" dirty="0" smtClean="0"/>
+              <a:rPr lang="en-US" dirty="0"/>
               <a:t>0xFF8</a:t>
             </a:r>
-            <a:endParaRPr lang="en-US" dirty="0"/>
           </a:p>
         </p:txBody>
       </p:sp>
@@ -8554,10 +8398,9 @@
           <a:p>
             <a:pPr algn="ctr"/>
             <a:r>
-              <a:rPr lang="en-US" dirty="0" smtClean="0"/>
+              <a:rPr lang="en-US" dirty="0"/>
               <a:t>0xFF8</a:t>
             </a:r>
-            <a:endParaRPr lang="en-US" dirty="0"/>
           </a:p>
         </p:txBody>
       </p:sp>
@@ -8596,10 +8439,9 @@
           <a:p>
             <a:pPr algn="ctr"/>
             <a:r>
-              <a:rPr lang="en-US" dirty="0" smtClean="0"/>
+              <a:rPr lang="en-US" dirty="0"/>
               <a:t>0</a:t>
             </a:r>
-            <a:endParaRPr lang="en-US" dirty="0"/>
           </a:p>
         </p:txBody>
       </p:sp>
@@ -8638,10 +8480,9 @@
           <a:p>
             <a:pPr algn="ctr"/>
             <a:r>
-              <a:rPr lang="en-US" dirty="0" smtClean="0"/>
+              <a:rPr lang="en-US" dirty="0"/>
               <a:t>0</a:t>
             </a:r>
-            <a:endParaRPr lang="en-US" dirty="0"/>
           </a:p>
         </p:txBody>
       </p:sp>
@@ -8680,10 +8521,9 @@
           <a:p>
             <a:pPr algn="ctr"/>
             <a:r>
-              <a:rPr lang="en-US" dirty="0" smtClean="0"/>
+              <a:rPr lang="en-US" dirty="0"/>
               <a:t>0</a:t>
             </a:r>
-            <a:endParaRPr lang="en-US" dirty="0"/>
           </a:p>
         </p:txBody>
       </p:sp>
@@ -8830,10 +8670,9 @@
           <a:lstStyle/>
           <a:p>
             <a:r>
-              <a:rPr lang="en-US" dirty="0" smtClean="0"/>
+              <a:rPr lang="en-US" dirty="0"/>
               <a:t>2</a:t>
             </a:r>
-            <a:endParaRPr lang="en-US" dirty="0"/>
           </a:p>
         </p:txBody>
       </p:sp>
@@ -8860,10 +8699,9 @@
           <a:lstStyle/>
           <a:p>
             <a:r>
-              <a:rPr lang="en-US" dirty="0" smtClean="0"/>
+              <a:rPr lang="en-US" dirty="0"/>
               <a:t>3</a:t>
             </a:r>
-            <a:endParaRPr lang="en-US" dirty="0"/>
           </a:p>
         </p:txBody>
       </p:sp>
@@ -8890,10 +8728,9 @@
           <a:lstStyle/>
           <a:p>
             <a:r>
-              <a:rPr lang="en-US" dirty="0" smtClean="0"/>
+              <a:rPr lang="en-US" dirty="0"/>
               <a:t>4</a:t>
             </a:r>
-            <a:endParaRPr lang="en-US" dirty="0"/>
           </a:p>
         </p:txBody>
       </p:sp>
@@ -8920,10 +8757,9 @@
           <a:lstStyle/>
           <a:p>
             <a:r>
-              <a:rPr lang="en-US" dirty="0" smtClean="0"/>
+              <a:rPr lang="en-US" dirty="0"/>
               <a:t>5</a:t>
             </a:r>
-            <a:endParaRPr lang="en-US" dirty="0"/>
           </a:p>
         </p:txBody>
       </p:sp>
@@ -8950,10 +8786,9 @@
           <a:lstStyle/>
           <a:p>
             <a:r>
-              <a:rPr lang="en-US" dirty="0" smtClean="0"/>
+              <a:rPr lang="en-US" dirty="0"/>
               <a:t>6</a:t>
             </a:r>
-            <a:endParaRPr lang="en-US" dirty="0"/>
           </a:p>
         </p:txBody>
       </p:sp>
@@ -8980,10 +8815,9 @@
           <a:lstStyle/>
           <a:p>
             <a:r>
-              <a:rPr lang="en-US" dirty="0" smtClean="0"/>
+              <a:rPr lang="en-US" dirty="0"/>
               <a:t>n</a:t>
             </a:r>
-            <a:endParaRPr lang="en-US" dirty="0"/>
           </a:p>
         </p:txBody>
       </p:sp>
@@ -9022,10 +8856,9 @@
           <a:p>
             <a:pPr algn="ctr"/>
             <a:r>
-              <a:rPr lang="en-US" dirty="0" smtClean="0"/>
+              <a:rPr lang="en-US" dirty="0"/>
               <a:t>USED</a:t>
             </a:r>
-            <a:endParaRPr lang="en-US" dirty="0"/>
           </a:p>
         </p:txBody>
       </p:sp>
@@ -9052,10 +8885,9 @@
           <a:lstStyle/>
           <a:p>
             <a:r>
-              <a:rPr lang="en-US" sz="2400" b="1" dirty="0" smtClean="0"/>
+              <a:rPr lang="en-US" sz="2400" b="1" dirty="0"/>
               <a:t>FAT</a:t>
             </a:r>
-            <a:endParaRPr lang="en-US" sz="2400" b="1" dirty="0"/>
           </a:p>
         </p:txBody>
       </p:sp>
@@ -9082,10 +8914,9 @@
           <a:lstStyle/>
           <a:p>
             <a:r>
-              <a:rPr lang="en-US" sz="2400" b="1" dirty="0" smtClean="0"/>
+              <a:rPr lang="en-US" sz="2400" b="1" dirty="0"/>
               <a:t>Clusters</a:t>
             </a:r>
-            <a:endParaRPr lang="en-US" sz="2400" b="1" dirty="0"/>
           </a:p>
         </p:txBody>
       </p:sp>
@@ -9124,10 +8955,9 @@
           <a:p>
             <a:pPr algn="ctr"/>
             <a:r>
-              <a:rPr lang="en-US" dirty="0" smtClean="0"/>
+              <a:rPr lang="en-US" dirty="0"/>
               <a:t>USED</a:t>
             </a:r>
-            <a:endParaRPr lang="en-US" dirty="0"/>
           </a:p>
         </p:txBody>
       </p:sp>
@@ -9166,10 +8996,9 @@
           <a:p>
             <a:pPr algn="ctr"/>
             <a:r>
-              <a:rPr lang="en-US" dirty="0" smtClean="0"/>
+              <a:rPr lang="en-US" dirty="0"/>
               <a:t>USED</a:t>
             </a:r>
-            <a:endParaRPr lang="en-US" dirty="0"/>
           </a:p>
         </p:txBody>
       </p:sp>
@@ -9196,10 +9025,9 @@
           <a:lstStyle/>
           <a:p>
             <a:r>
-              <a:rPr lang="en-US" dirty="0" smtClean="0"/>
+              <a:rPr lang="en-US" dirty="0"/>
               <a:t>2</a:t>
             </a:r>
-            <a:endParaRPr lang="en-US" dirty="0"/>
           </a:p>
         </p:txBody>
       </p:sp>
@@ -9255,10 +9083,9 @@
           <a:lstStyle/>
           <a:p>
             <a:r>
-              <a:rPr lang="en-US" dirty="0" smtClean="0"/>
+              <a:rPr lang="en-US" dirty="0"/>
               <a:t>0</a:t>
             </a:r>
-            <a:endParaRPr lang="en-US" dirty="0"/>
           </a:p>
         </p:txBody>
       </p:sp>
@@ -9285,10 +9112,9 @@
           <a:lstStyle/>
           <a:p>
             <a:r>
-              <a:rPr lang="en-US" dirty="0" smtClean="0"/>
+              <a:rPr lang="en-US" dirty="0"/>
               <a:t>3</a:t>
             </a:r>
-            <a:endParaRPr lang="en-US" dirty="0"/>
           </a:p>
         </p:txBody>
       </p:sp>
@@ -9327,10 +9153,9 @@
           <a:p>
             <a:pPr algn="ctr"/>
             <a:r>
-              <a:rPr lang="en-US" dirty="0" smtClean="0"/>
+              <a:rPr lang="en-US" dirty="0"/>
               <a:t>FREE</a:t>
             </a:r>
-            <a:endParaRPr lang="en-US" dirty="0"/>
           </a:p>
         </p:txBody>
       </p:sp>
@@ -9369,10 +9194,9 @@
           <a:p>
             <a:pPr algn="ctr"/>
             <a:r>
-              <a:rPr lang="en-US" dirty="0" smtClean="0"/>
+              <a:rPr lang="en-US" dirty="0"/>
               <a:t>FREE</a:t>
             </a:r>
-            <a:endParaRPr lang="en-US" dirty="0"/>
           </a:p>
         </p:txBody>
       </p:sp>
@@ -9411,10 +9235,9 @@
           <a:p>
             <a:pPr algn="ctr"/>
             <a:r>
-              <a:rPr lang="en-US" dirty="0" smtClean="0"/>
+              <a:rPr lang="en-US" dirty="0"/>
               <a:t>FREE</a:t>
             </a:r>
-            <a:endParaRPr lang="en-US" dirty="0"/>
           </a:p>
         </p:txBody>
       </p:sp>
@@ -9441,10 +9264,9 @@
           <a:lstStyle/>
           <a:p>
             <a:r>
-              <a:rPr lang="en-US" dirty="0" smtClean="0"/>
+              <a:rPr lang="en-US" dirty="0"/>
               <a:t>4</a:t>
             </a:r>
-            <a:endParaRPr lang="en-US" dirty="0"/>
           </a:p>
         </p:txBody>
       </p:sp>
@@ -9471,10 +9293,9 @@
           <a:lstStyle/>
           <a:p>
             <a:r>
-              <a:rPr lang="en-US" dirty="0" smtClean="0"/>
+              <a:rPr lang="en-US" dirty="0"/>
               <a:t>n-2</a:t>
             </a:r>
-            <a:endParaRPr lang="en-US" dirty="0"/>
           </a:p>
         </p:txBody>
       </p:sp>
@@ -9873,10 +9694,9 @@
           <a:lstStyle/>
           <a:p>
             <a:r>
-              <a:rPr lang="en-US" sz="2400" b="1" dirty="0" smtClean="0"/>
+              <a:rPr lang="en-US" sz="2400" b="1" dirty="0"/>
               <a:t>Directory Entry</a:t>
             </a:r>
-            <a:endParaRPr lang="en-US" sz="2400" b="1" dirty="0"/>
           </a:p>
         </p:txBody>
       </p:sp>
@@ -9915,10 +9735,9 @@
           <a:p>
             <a:pPr algn="ctr"/>
             <a:r>
-              <a:rPr lang="en-US" dirty="0" smtClean="0"/>
+              <a:rPr lang="en-US" dirty="0"/>
               <a:t>bob.txt</a:t>
             </a:r>
-            <a:endParaRPr lang="en-US" dirty="0"/>
           </a:p>
         </p:txBody>
       </p:sp>
@@ -9945,10 +9764,9 @@
           <a:lstStyle/>
           <a:p>
             <a:r>
-              <a:rPr lang="en-US" dirty="0" smtClean="0"/>
+              <a:rPr lang="en-US" dirty="0"/>
               <a:t>File Name</a:t>
             </a:r>
-            <a:endParaRPr lang="en-US" dirty="0"/>
           </a:p>
         </p:txBody>
       </p:sp>
@@ -9987,10 +9805,9 @@
           <a:p>
             <a:pPr algn="ctr"/>
             <a:r>
-              <a:rPr lang="en-US" dirty="0" smtClean="0"/>
+              <a:rPr lang="en-US" dirty="0"/>
               <a:t>11</a:t>
             </a:r>
-            <a:endParaRPr lang="en-US" dirty="0"/>
           </a:p>
         </p:txBody>
       </p:sp>
@@ -10017,10 +9834,9 @@
           <a:lstStyle/>
           <a:p>
             <a:r>
-              <a:rPr lang="en-US" dirty="0" smtClean="0"/>
+              <a:rPr lang="en-US" dirty="0"/>
               <a:t>Size (Bytes)</a:t>
             </a:r>
-            <a:endParaRPr lang="en-US" dirty="0"/>
           </a:p>
         </p:txBody>
       </p:sp>
@@ -10062,7 +9878,6 @@
               <a:rPr lang="en-US" dirty="0"/>
               <a:t>3</a:t>
             </a:r>
-            <a:endParaRPr lang="en-US" dirty="0"/>
           </a:p>
         </p:txBody>
       </p:sp>
@@ -10089,10 +9904,9 @@
           <a:lstStyle/>
           <a:p>
             <a:r>
-              <a:rPr lang="en-US" dirty="0" smtClean="0"/>
+              <a:rPr lang="en-US" dirty="0"/>
               <a:t>First Cluster</a:t>
             </a:r>
-            <a:endParaRPr lang="en-US" dirty="0"/>
           </a:p>
         </p:txBody>
       </p:sp>
@@ -11068,10 +10882,9 @@
           <a:lstStyle/>
           <a:p>
             <a:r>
-              <a:rPr lang="en-US" dirty="0" smtClean="0"/>
+              <a:rPr lang="en-US" dirty="0"/>
               <a:t>Long File Names</a:t>
             </a:r>
-            <a:endParaRPr lang="en-US" dirty="0"/>
           </a:p>
         </p:txBody>
       </p:sp>
@@ -11093,43 +10906,43 @@
           <a:lstStyle/>
           <a:p>
             <a:r>
-              <a:rPr lang="en-US" dirty="0" smtClean="0"/>
+              <a:rPr lang="en-US" dirty="0"/>
               <a:t>To do long file names and remain backwards compatibility with 8.3 file naming convention in dos Microsoft used multiple directory entries to do this:</a:t>
             </a:r>
           </a:p>
           <a:p>
             <a:pPr lvl="1"/>
             <a:r>
-              <a:rPr lang="en-US" dirty="0" smtClean="0"/>
+              <a:rPr lang="en-US" dirty="0"/>
               <a:t>File Attribute became 0x0F (invalid entry for DOS)</a:t>
             </a:r>
           </a:p>
           <a:p>
             <a:pPr lvl="1"/>
             <a:r>
-              <a:rPr lang="en-US" dirty="0" smtClean="0"/>
+              <a:rPr lang="en-US" dirty="0"/>
               <a:t>They change directory entry to provide 22 additional name characters, plus a sequence number. </a:t>
             </a:r>
           </a:p>
           <a:p>
             <a:pPr lvl="1"/>
             <a:r>
-              <a:rPr lang="en-US" dirty="0" smtClean="0"/>
+              <a:rPr lang="en-US" dirty="0"/>
               <a:t>Sequence number </a:t>
             </a:r>
             <a:r>
-              <a:rPr lang="en-US" dirty="0" err="1" smtClean="0"/>
+              <a:rPr lang="en-US" dirty="0" err="1"/>
               <a:t>ORed</a:t>
             </a:r>
             <a:r>
-              <a:rPr lang="en-US" dirty="0" smtClean="0"/>
+              <a:rPr lang="en-US" dirty="0"/>
               <a:t> with 0x40 for first entry (last part of name). See example next. </a:t>
             </a:r>
           </a:p>
           <a:p>
             <a:pPr lvl="1"/>
             <a:r>
-              <a:rPr lang="en-US" dirty="0" smtClean="0"/>
+              <a:rPr lang="en-US" dirty="0"/>
               <a:t>Additional entries for checksum, to verify long filename truly matches a file. </a:t>
             </a:r>
           </a:p>
@@ -11137,7 +10950,7 @@
             <a:pPr lvl="1">
               <a:buNone/>
             </a:pPr>
-            <a:endParaRPr lang="en-US" dirty="0" smtClean="0"/>
+            <a:endParaRPr lang="en-US" dirty="0"/>
           </a:p>
         </p:txBody>
       </p:sp>
@@ -11146,13 +10959,6 @@
   <p:clrMapOvr>
     <a:masterClrMapping/>
   </p:clrMapOvr>
-  <p:timing>
-    <p:tnLst>
-      <p:par>
-        <p:cTn id="1" dur="indefinite" restart="never" nodeType="tmRoot"/>
-      </p:par>
-    </p:tnLst>
-  </p:timing>
 </p:sld>
 </file>
 
@@ -11189,10 +10995,9 @@
           <a:lstStyle/>
           <a:p>
             <a:r>
-              <a:rPr lang="en-US" dirty="0" smtClean="0"/>
+              <a:rPr lang="en-US" dirty="0"/>
               <a:t>Agenda</a:t>
             </a:r>
-            <a:endParaRPr lang="en-US" dirty="0"/>
           </a:p>
         </p:txBody>
       </p:sp>
@@ -11214,54 +11019,54 @@
           <a:lstStyle/>
           <a:p>
             <a:r>
-              <a:rPr lang="en-US" dirty="0" smtClean="0"/>
+              <a:rPr lang="en-US" dirty="0"/>
               <a:t>Introduction and History</a:t>
             </a:r>
           </a:p>
           <a:p>
             <a:r>
-              <a:rPr lang="en-US" dirty="0" smtClean="0"/>
+              <a:rPr lang="en-US" dirty="0"/>
               <a:t>Disk Structures and Partitions</a:t>
             </a:r>
           </a:p>
           <a:p>
             <a:r>
-              <a:rPr lang="en-US" dirty="0" smtClean="0"/>
+              <a:rPr lang="en-US" dirty="0"/>
               <a:t>FAT file system structure</a:t>
             </a:r>
           </a:p>
           <a:p>
             <a:r>
-              <a:rPr lang="en-US" dirty="0" smtClean="0"/>
+              <a:rPr lang="en-US" dirty="0"/>
               <a:t>Long File Names</a:t>
             </a:r>
           </a:p>
           <a:p>
             <a:r>
-              <a:rPr lang="en-US" dirty="0" smtClean="0"/>
+              <a:rPr lang="en-US" dirty="0"/>
               <a:t>Embedded FAT tips and tricks</a:t>
             </a:r>
           </a:p>
           <a:p>
             <a:r>
-              <a:rPr lang="en-US" dirty="0" smtClean="0"/>
+              <a:rPr lang="en-US" dirty="0"/>
               <a:t>File Recovery</a:t>
             </a:r>
           </a:p>
           <a:p>
             <a:r>
-              <a:rPr lang="en-US" dirty="0" smtClean="0"/>
+              <a:rPr lang="en-US" dirty="0"/>
               <a:t>Common Problems</a:t>
             </a:r>
           </a:p>
           <a:p>
             <a:r>
-              <a:rPr lang="en-US" dirty="0" smtClean="0"/>
+              <a:rPr lang="en-US" dirty="0"/>
               <a:t>Useful Tools</a:t>
             </a:r>
           </a:p>
           <a:p>
-            <a:endParaRPr lang="en-US" dirty="0" smtClean="0"/>
+            <a:endParaRPr lang="en-US" dirty="0"/>
           </a:p>
           <a:p>
             <a:endParaRPr lang="en-US" dirty="0"/>
@@ -11273,13 +11078,6 @@
   <p:clrMapOvr>
     <a:masterClrMapping/>
   </p:clrMapOvr>
-  <p:timing>
-    <p:tnLst>
-      <p:par>
-        <p:cTn id="1" dur="indefinite" restart="never" nodeType="tmRoot"/>
-      </p:par>
-    </p:tnLst>
-  </p:timing>
 </p:sld>
 </file>
 
@@ -11316,10 +11114,9 @@
           <a:lstStyle/>
           <a:p>
             <a:r>
-              <a:rPr lang="en-US" dirty="0" smtClean="0"/>
+              <a:rPr lang="en-US" dirty="0"/>
               <a:t>Long File Name Example</a:t>
             </a:r>
-            <a:endParaRPr lang="en-US" dirty="0"/>
           </a:p>
         </p:txBody>
       </p:sp>
@@ -11339,7 +11136,7 @@
           <a:lstStyle/>
           <a:p>
             <a:r>
-              <a:rPr lang="en-US" dirty="0" smtClean="0"/>
+              <a:rPr lang="en-US" dirty="0"/>
               <a:t>The following is a set of entries for long file name:</a:t>
             </a:r>
           </a:p>
@@ -11367,9 +11164,27 @@
                 <a:tableStyleId>{5C22544A-7EE6-4342-B048-85BDC9FD1C3A}</a:tableStyleId>
               </a:tblPr>
               <a:tblGrid>
-                <a:gridCol w="2032000"/>
-                <a:gridCol w="2032000"/>
-                <a:gridCol w="2032000"/>
+                <a:gridCol w="2032000">
+                  <a:extLst>
+                    <a:ext uri="{9D8B030D-6E8A-4147-A177-3AD203B41FA5}">
+                      <a16:colId xmlns:a16="http://schemas.microsoft.com/office/drawing/2014/main" val="20000"/>
+                    </a:ext>
+                  </a:extLst>
+                </a:gridCol>
+                <a:gridCol w="2032000">
+                  <a:extLst>
+                    <a:ext uri="{9D8B030D-6E8A-4147-A177-3AD203B41FA5}">
+                      <a16:colId xmlns:a16="http://schemas.microsoft.com/office/drawing/2014/main" val="20001"/>
+                    </a:ext>
+                  </a:extLst>
+                </a:gridCol>
+                <a:gridCol w="2032000">
+                  <a:extLst>
+                    <a:ext uri="{9D8B030D-6E8A-4147-A177-3AD203B41FA5}">
+                      <a16:colId xmlns:a16="http://schemas.microsoft.com/office/drawing/2014/main" val="20002"/>
+                    </a:ext>
+                  </a:extLst>
+                </a:gridCol>
               </a:tblGrid>
               <a:tr h="426720">
                 <a:tc>
@@ -11378,10 +11193,9 @@
                     <a:lstStyle/>
                     <a:p>
                       <a:r>
-                        <a:rPr lang="en-US" dirty="0" smtClean="0"/>
+                        <a:rPr lang="en-US" dirty="0"/>
                         <a:t>Sequence</a:t>
                       </a:r>
-                      <a:endParaRPr lang="en-US" dirty="0"/>
                     </a:p>
                   </a:txBody>
                   <a:tcPr/>
@@ -11392,11 +11206,11 @@
                     <a:lstStyle/>
                     <a:p>
                       <a:r>
-                        <a:rPr lang="en-US" dirty="0" smtClean="0"/>
+                        <a:rPr lang="en-US" dirty="0"/>
                         <a:t>Entry</a:t>
                       </a:r>
                       <a:r>
-                        <a:rPr lang="en-US" baseline="0" dirty="0" smtClean="0"/>
+                        <a:rPr lang="en-US" baseline="0" dirty="0"/>
                         <a:t> Data</a:t>
                       </a:r>
                       <a:endParaRPr lang="en-US" dirty="0"/>
@@ -11410,11 +11224,11 @@
                     <a:lstStyle/>
                     <a:p>
                       <a:r>
-                        <a:rPr lang="en-US" dirty="0" smtClean="0"/>
+                        <a:rPr lang="en-US" dirty="0"/>
                         <a:t>Attribute</a:t>
                       </a:r>
                       <a:r>
-                        <a:rPr lang="en-US" baseline="0" dirty="0" smtClean="0"/>
+                        <a:rPr lang="en-US" baseline="0" dirty="0"/>
                         <a:t> Flags</a:t>
                       </a:r>
                       <a:endParaRPr lang="en-US" dirty="0"/>
@@ -11422,6 +11236,11 @@
                   </a:txBody>
                   <a:tcPr/>
                 </a:tc>
+                <a:extLst>
+                  <a:ext uri="{0D108BD9-81ED-4DB2-BD59-A6C34878D82A}">
+                    <a16:rowId xmlns:a16="http://schemas.microsoft.com/office/drawing/2014/main" val="10000"/>
+                  </a:ext>
+                </a:extLst>
               </a:tr>
               <a:tr h="426720">
                 <a:tc>
@@ -11430,10 +11249,9 @@
                     <a:lstStyle/>
                     <a:p>
                       <a:r>
-                        <a:rPr lang="en-US" dirty="0" smtClean="0"/>
+                        <a:rPr lang="en-US" dirty="0"/>
                         <a:t>0x43</a:t>
                       </a:r>
-                      <a:endParaRPr lang="en-US" dirty="0"/>
                     </a:p>
                   </a:txBody>
                   <a:tcPr/>
@@ -11444,10 +11262,9 @@
                     <a:lstStyle/>
                     <a:p>
                       <a:r>
-                        <a:rPr lang="en-US" dirty="0" smtClean="0"/>
+                        <a:rPr lang="en-US" dirty="0"/>
                         <a:t>“me.ext”</a:t>
                       </a:r>
-                      <a:endParaRPr lang="en-US" dirty="0"/>
                     </a:p>
                   </a:txBody>
                   <a:tcPr/>
@@ -11458,14 +11275,18 @@
                     <a:lstStyle/>
                     <a:p>
                       <a:r>
-                        <a:rPr lang="en-US" dirty="0" smtClean="0"/>
+                        <a:rPr lang="en-US" dirty="0"/>
                         <a:t>0x0F</a:t>
                       </a:r>
-                      <a:endParaRPr lang="en-US" dirty="0"/>
                     </a:p>
                   </a:txBody>
                   <a:tcPr/>
                 </a:tc>
+                <a:extLst>
+                  <a:ext uri="{0D108BD9-81ED-4DB2-BD59-A6C34878D82A}">
+                    <a16:rowId xmlns:a16="http://schemas.microsoft.com/office/drawing/2014/main" val="10001"/>
+                  </a:ext>
+                </a:extLst>
               </a:tr>
               <a:tr h="426720">
                 <a:tc>
@@ -11474,10 +11295,9 @@
                     <a:lstStyle/>
                     <a:p>
                       <a:r>
-                        <a:rPr lang="en-US" dirty="0" smtClean="0"/>
+                        <a:rPr lang="en-US" dirty="0"/>
                         <a:t>0x02</a:t>
                       </a:r>
-                      <a:endParaRPr lang="en-US" dirty="0"/>
                     </a:p>
                   </a:txBody>
                   <a:tcPr/>
@@ -11488,19 +11308,19 @@
                     <a:lstStyle/>
                     <a:p>
                       <a:r>
-                        <a:rPr lang="en-US" dirty="0" smtClean="0"/>
+                        <a:rPr lang="en-US" dirty="0"/>
                         <a:t>“y long</a:t>
                       </a:r>
                       <a:r>
-                        <a:rPr lang="en-US" baseline="0" dirty="0" smtClean="0"/>
+                        <a:rPr lang="en-US" baseline="0" dirty="0"/>
                         <a:t> </a:t>
                       </a:r>
                       <a:r>
-                        <a:rPr lang="en-US" baseline="0" dirty="0" err="1" smtClean="0"/>
+                        <a:rPr lang="en-US" baseline="0" dirty="0" err="1"/>
                         <a:t>filena</a:t>
                       </a:r>
                       <a:r>
-                        <a:rPr lang="en-US" baseline="0" dirty="0" smtClean="0"/>
+                        <a:rPr lang="en-US" baseline="0" dirty="0"/>
                         <a:t>”</a:t>
                       </a:r>
                       <a:endParaRPr lang="en-US" dirty="0"/>
@@ -11514,14 +11334,18 @@
                     <a:lstStyle/>
                     <a:p>
                       <a:r>
-                        <a:rPr lang="en-US" dirty="0" smtClean="0"/>
+                        <a:rPr lang="en-US" dirty="0"/>
                         <a:t>0x0F</a:t>
                       </a:r>
-                      <a:endParaRPr lang="en-US" dirty="0"/>
                     </a:p>
                   </a:txBody>
                   <a:tcPr/>
                 </a:tc>
+                <a:extLst>
+                  <a:ext uri="{0D108BD9-81ED-4DB2-BD59-A6C34878D82A}">
+                    <a16:rowId xmlns:a16="http://schemas.microsoft.com/office/drawing/2014/main" val="10002"/>
+                  </a:ext>
+                </a:extLst>
               </a:tr>
               <a:tr h="426720">
                 <a:tc>
@@ -11530,10 +11354,9 @@
                     <a:lstStyle/>
                     <a:p>
                       <a:r>
-                        <a:rPr lang="en-US" dirty="0" smtClean="0"/>
+                        <a:rPr lang="en-US" dirty="0"/>
                         <a:t>0x01</a:t>
                       </a:r>
-                      <a:endParaRPr lang="en-US" dirty="0"/>
                     </a:p>
                   </a:txBody>
                   <a:tcPr/>
@@ -11544,19 +11367,19 @@
                     <a:lstStyle/>
                     <a:p>
                       <a:r>
-                        <a:rPr lang="en-US" dirty="0" smtClean="0"/>
+                        <a:rPr lang="en-US" dirty="0"/>
                         <a:t>“File</a:t>
                       </a:r>
                       <a:r>
-                        <a:rPr lang="en-US" baseline="0" dirty="0" smtClean="0"/>
+                        <a:rPr lang="en-US" baseline="0" dirty="0"/>
                         <a:t> with </a:t>
                       </a:r>
                       <a:r>
-                        <a:rPr lang="en-US" baseline="0" dirty="0" err="1" smtClean="0"/>
+                        <a:rPr lang="en-US" baseline="0" dirty="0" err="1"/>
                         <a:t>ver</a:t>
                       </a:r>
                       <a:r>
-                        <a:rPr lang="en-US" baseline="0" dirty="0" smtClean="0"/>
+                        <a:rPr lang="en-US" baseline="0" dirty="0"/>
                         <a:t>”</a:t>
                       </a:r>
                       <a:endParaRPr lang="en-US" dirty="0"/>
@@ -11570,14 +11393,18 @@
                     <a:lstStyle/>
                     <a:p>
                       <a:r>
-                        <a:rPr lang="en-US" dirty="0" smtClean="0"/>
+                        <a:rPr lang="en-US" dirty="0"/>
                         <a:t>0x0F</a:t>
                       </a:r>
-                      <a:endParaRPr lang="en-US" dirty="0"/>
                     </a:p>
                   </a:txBody>
                   <a:tcPr/>
                 </a:tc>
+                <a:extLst>
+                  <a:ext uri="{0D108BD9-81ED-4DB2-BD59-A6C34878D82A}">
+                    <a16:rowId xmlns:a16="http://schemas.microsoft.com/office/drawing/2014/main" val="10003"/>
+                  </a:ext>
+                </a:extLst>
               </a:tr>
               <a:tr h="426720">
                 <a:tc>
@@ -11586,10 +11413,9 @@
                     <a:lstStyle/>
                     <a:p>
                       <a:r>
-                        <a:rPr lang="en-US" dirty="0" smtClean="0"/>
+                        <a:rPr lang="en-US" dirty="0"/>
                         <a:t>????</a:t>
                       </a:r>
-                      <a:endParaRPr lang="en-US" dirty="0"/>
                     </a:p>
                   </a:txBody>
                   <a:tcPr/>
@@ -11600,10 +11426,9 @@
                     <a:lstStyle/>
                     <a:p>
                       <a:r>
-                        <a:rPr lang="en-US" dirty="0" smtClean="0"/>
+                        <a:rPr lang="en-US" dirty="0"/>
                         <a:t>Normal 8.3 entry</a:t>
                       </a:r>
-                      <a:endParaRPr lang="en-US" dirty="0"/>
                     </a:p>
                   </a:txBody>
                   <a:tcPr/>
@@ -11614,14 +11439,18 @@
                     <a:lstStyle/>
                     <a:p>
                       <a:r>
-                        <a:rPr lang="en-US" dirty="0" smtClean="0"/>
+                        <a:rPr lang="en-US" dirty="0"/>
                         <a:t>Normal Flags</a:t>
                       </a:r>
-                      <a:endParaRPr lang="en-US" dirty="0"/>
                     </a:p>
                   </a:txBody>
                   <a:tcPr/>
                 </a:tc>
+                <a:extLst>
+                  <a:ext uri="{0D108BD9-81ED-4DB2-BD59-A6C34878D82A}">
+                    <a16:rowId xmlns:a16="http://schemas.microsoft.com/office/drawing/2014/main" val="10004"/>
+                  </a:ext>
+                </a:extLst>
               </a:tr>
             </a:tbl>
           </a:graphicData>
@@ -11632,13 +11461,6 @@
   <p:clrMapOvr>
     <a:masterClrMapping/>
   </p:clrMapOvr>
-  <p:timing>
-    <p:tnLst>
-      <p:par>
-        <p:cTn id="1" dur="indefinite" restart="never" nodeType="tmRoot"/>
-      </p:par>
-    </p:tnLst>
-  </p:timing>
 </p:sld>
 </file>
 
@@ -11675,10 +11497,9 @@
           <a:lstStyle/>
           <a:p>
             <a:r>
-              <a:rPr lang="en-US" dirty="0" smtClean="0"/>
+              <a:rPr lang="en-US" dirty="0"/>
               <a:t>FSCK (Check Disk for Andy)</a:t>
             </a:r>
-            <a:endParaRPr lang="en-US" dirty="0"/>
           </a:p>
         </p:txBody>
       </p:sp>
@@ -11698,43 +11519,43 @@
           <a:lstStyle/>
           <a:p>
             <a:r>
-              <a:rPr lang="en-US" dirty="0" smtClean="0"/>
+              <a:rPr lang="en-US" dirty="0"/>
               <a:t>FSCK on a FAT formatted drive does a few things:</a:t>
             </a:r>
           </a:p>
           <a:p>
             <a:pPr lvl="1"/>
             <a:r>
-              <a:rPr lang="en-US" dirty="0" smtClean="0"/>
+              <a:rPr lang="en-US" dirty="0"/>
               <a:t>Checks duplicate FAT tables for errors</a:t>
             </a:r>
           </a:p>
           <a:p>
             <a:pPr lvl="1"/>
             <a:r>
-              <a:rPr lang="en-US" dirty="0" smtClean="0"/>
+              <a:rPr lang="en-US" dirty="0"/>
               <a:t>Checks for FAT entries which are not connected to a file. </a:t>
             </a:r>
           </a:p>
           <a:p>
             <a:pPr lvl="1"/>
             <a:r>
-              <a:rPr lang="en-US" dirty="0" smtClean="0"/>
+              <a:rPr lang="en-US" dirty="0"/>
               <a:t>Checks for Files where size is greater than number of clusters allocated to file. </a:t>
             </a:r>
           </a:p>
           <a:p>
             <a:pPr lvl="1"/>
             <a:r>
-              <a:rPr lang="en-US" dirty="0" smtClean="0"/>
+              <a:rPr lang="en-US" dirty="0"/>
               <a:t>May remove extra allocated clusters to files, </a:t>
             </a:r>
             <a:r>
-              <a:rPr lang="en-US" dirty="0" err="1" smtClean="0"/>
+              <a:rPr lang="en-US" dirty="0" err="1"/>
               <a:t>ie</a:t>
             </a:r>
             <a:r>
-              <a:rPr lang="en-US" dirty="0" smtClean="0"/>
+              <a:rPr lang="en-US" dirty="0"/>
               <a:t> clusters that are bigger than file size. </a:t>
             </a:r>
           </a:p>
@@ -11745,13 +11566,6 @@
   <p:clrMapOvr>
     <a:masterClrMapping/>
   </p:clrMapOvr>
-  <p:timing>
-    <p:tnLst>
-      <p:par>
-        <p:cTn id="1" dur="indefinite" restart="never" nodeType="tmRoot"/>
-      </p:par>
-    </p:tnLst>
-  </p:timing>
 </p:sld>
 </file>
 
@@ -11788,10 +11602,9 @@
           <a:lstStyle/>
           <a:p>
             <a:r>
-              <a:rPr lang="en-US" dirty="0" smtClean="0"/>
+              <a:rPr lang="en-US" dirty="0"/>
               <a:t>File Recovery</a:t>
             </a:r>
-            <a:endParaRPr lang="en-US" dirty="0"/>
           </a:p>
         </p:txBody>
       </p:sp>
@@ -11813,55 +11626,54 @@
           <a:lstStyle/>
           <a:p>
             <a:r>
-              <a:rPr lang="en-US" dirty="0" smtClean="0"/>
+              <a:rPr lang="en-US" dirty="0"/>
               <a:t>If your wife is like mine, at some point she will delete pictures from SD card before saving them.  Under </a:t>
             </a:r>
             <a:r>
-              <a:rPr lang="en-US" dirty="0" err="1" smtClean="0"/>
+              <a:rPr lang="en-US" dirty="0" err="1"/>
               <a:t>linux</a:t>
             </a:r>
             <a:r>
-              <a:rPr lang="en-US" dirty="0" smtClean="0"/>
+              <a:rPr lang="en-US" dirty="0"/>
               <a:t> use “</a:t>
             </a:r>
             <a:r>
-              <a:rPr lang="en-US" dirty="0" err="1" smtClean="0"/>
+              <a:rPr lang="en-US" dirty="0" err="1"/>
               <a:t>recoverjpeg</a:t>
             </a:r>
             <a:r>
-              <a:rPr lang="en-US" dirty="0" smtClean="0"/>
+              <a:rPr lang="en-US" dirty="0"/>
               <a:t>” here is how it works.</a:t>
             </a:r>
           </a:p>
           <a:p>
             <a:pPr lvl="1"/>
             <a:r>
-              <a:rPr lang="en-US" dirty="0" smtClean="0"/>
+              <a:rPr lang="en-US" dirty="0"/>
               <a:t>First jpegs have a nice header. Thus search for header once found assume file is store </a:t>
             </a:r>
             <a:r>
-              <a:rPr lang="en-US" dirty="0" err="1" smtClean="0"/>
+              <a:rPr lang="en-US" dirty="0" err="1"/>
               <a:t>contigous</a:t>
             </a:r>
             <a:r>
-              <a:rPr lang="en-US" dirty="0" smtClean="0"/>
+              <a:rPr lang="en-US" dirty="0"/>
               <a:t>. </a:t>
             </a:r>
           </a:p>
           <a:p>
             <a:pPr lvl="1"/>
             <a:r>
-              <a:rPr lang="en-US" dirty="0" smtClean="0"/>
+              <a:rPr lang="en-US" dirty="0"/>
               <a:t>This works because on camera files are opened and saved one at a time, thus will usually not be fragmented. </a:t>
             </a:r>
           </a:p>
           <a:p>
             <a:pPr lvl="1"/>
             <a:r>
-              <a:rPr lang="en-US" dirty="0" smtClean="0"/>
+              <a:rPr lang="en-US" dirty="0"/>
               <a:t>Deletes and format usually does not zero out clusters, just zeros FAT table and root directory table. </a:t>
             </a:r>
-            <a:endParaRPr lang="en-US" dirty="0"/>
           </a:p>
         </p:txBody>
       </p:sp>
@@ -11870,13 +11682,6 @@
   <p:clrMapOvr>
     <a:masterClrMapping/>
   </p:clrMapOvr>
-  <p:timing>
-    <p:tnLst>
-      <p:par>
-        <p:cTn id="1" dur="indefinite" restart="never" nodeType="tmRoot"/>
-      </p:par>
-    </p:tnLst>
-  </p:timing>
 </p:sld>
 </file>
 
@@ -11913,11 +11718,11 @@
           <a:lstStyle/>
           <a:p>
             <a:r>
-              <a:rPr lang="en-US" dirty="0" smtClean="0"/>
+              <a:rPr lang="en-US" dirty="0"/>
               <a:t>Embedded </a:t>
             </a:r>
             <a:r>
-              <a:rPr lang="en-US" dirty="0" err="1" smtClean="0"/>
+              <a:rPr lang="en-US" dirty="0" err="1"/>
               <a:t>Gotchas</a:t>
             </a:r>
             <a:endParaRPr lang="en-US" dirty="0"/>
@@ -11942,32 +11747,31 @@
           <a:lstStyle/>
           <a:p>
             <a:r>
-              <a:rPr lang="en-US" dirty="0" smtClean="0"/>
+              <a:rPr lang="en-US" dirty="0"/>
               <a:t>When working with FAT here are some embedded </a:t>
             </a:r>
             <a:r>
-              <a:rPr lang="en-US" dirty="0" err="1" smtClean="0"/>
+              <a:rPr lang="en-US" dirty="0" err="1"/>
               <a:t>gotchas</a:t>
             </a:r>
             <a:r>
-              <a:rPr lang="en-US" dirty="0" smtClean="0"/>
+              <a:rPr lang="en-US" dirty="0"/>
               <a:t>.</a:t>
             </a:r>
           </a:p>
           <a:p>
             <a:pPr lvl="1"/>
             <a:r>
-              <a:rPr lang="en-US" dirty="0" smtClean="0"/>
+              <a:rPr lang="en-US" dirty="0"/>
               <a:t>As you write data you have to update the size of the file in the directory structure. This causes constant rewrites to same sector in memory. Most flash and SD cards have controllers to do wear leveling these days but it is still a performance bottle neck.</a:t>
             </a:r>
           </a:p>
           <a:p>
             <a:pPr lvl="1"/>
             <a:r>
-              <a:rPr lang="en-US" dirty="0" smtClean="0"/>
+              <a:rPr lang="en-US" dirty="0"/>
               <a:t>Directory table has access time stamp, if you want to update it.  </a:t>
             </a:r>
-            <a:endParaRPr lang="en-US" dirty="0"/>
           </a:p>
         </p:txBody>
       </p:sp>
@@ -11976,13 +11780,6 @@
   <p:clrMapOvr>
     <a:masterClrMapping/>
   </p:clrMapOvr>
-  <p:timing>
-    <p:tnLst>
-      <p:par>
-        <p:cTn id="1" dur="indefinite" restart="never" nodeType="tmRoot"/>
-      </p:par>
-    </p:tnLst>
-  </p:timing>
 </p:sld>
 </file>
 
@@ -12021,10 +11818,9 @@
           <a:lstStyle/>
           <a:p>
             <a:r>
-              <a:rPr lang="en-US" dirty="0" smtClean="0"/>
+              <a:rPr lang="en-US" dirty="0"/>
               <a:t>Embedded Tricks and Speed Boosts</a:t>
             </a:r>
-            <a:endParaRPr lang="en-US" dirty="0"/>
           </a:p>
         </p:txBody>
       </p:sp>
@@ -12044,29 +11840,28 @@
           <a:lstStyle/>
           <a:p>
             <a:r>
-              <a:rPr lang="en-US" dirty="0" smtClean="0"/>
+              <a:rPr lang="en-US" dirty="0"/>
               <a:t>If you are allocating a file, you can pre-allocate more clusters than you need. </a:t>
             </a:r>
           </a:p>
           <a:p>
             <a:r>
-              <a:rPr lang="en-US" dirty="0" smtClean="0"/>
+              <a:rPr lang="en-US" dirty="0"/>
               <a:t>Store the last FAT location, see the FS Info structure. </a:t>
             </a:r>
           </a:p>
           <a:p>
             <a:pPr lvl="1"/>
             <a:r>
-              <a:rPr lang="en-US" dirty="0" smtClean="0"/>
+              <a:rPr lang="en-US" dirty="0"/>
               <a:t>Thus if you allocate more space you can quickly jump to where last free cluster was in FAT table.</a:t>
             </a:r>
           </a:p>
           <a:p>
             <a:r>
-              <a:rPr lang="en-US" dirty="0" smtClean="0"/>
+              <a:rPr lang="en-US" dirty="0"/>
               <a:t>You may choose to use one FAT table for performance boost</a:t>
             </a:r>
-            <a:endParaRPr lang="en-US" dirty="0"/>
           </a:p>
         </p:txBody>
       </p:sp>
@@ -12075,13 +11870,6 @@
   <p:clrMapOvr>
     <a:masterClrMapping/>
   </p:clrMapOvr>
-  <p:timing>
-    <p:tnLst>
-      <p:par>
-        <p:cTn id="1" dur="indefinite" restart="never" nodeType="tmRoot"/>
-      </p:par>
-    </p:tnLst>
-  </p:timing>
 </p:sld>
 </file>
 
@@ -12118,10 +11906,9 @@
           <a:lstStyle/>
           <a:p>
             <a:r>
-              <a:rPr lang="en-US" dirty="0" smtClean="0"/>
+              <a:rPr lang="en-US" dirty="0"/>
               <a:t>SD Card Performance</a:t>
             </a:r>
-            <a:endParaRPr lang="en-US" dirty="0"/>
           </a:p>
         </p:txBody>
       </p:sp>
@@ -12141,31 +11928,30 @@
           <a:lstStyle/>
           <a:p>
             <a:r>
-              <a:rPr lang="en-US" dirty="0" smtClean="0"/>
+              <a:rPr lang="en-US" dirty="0"/>
               <a:t>SD cards have built in controllers for doing wear leveling. Thus writing a sector of data is normally fast but can appear to be randomly slow. Some tricks are:</a:t>
             </a:r>
           </a:p>
           <a:p>
             <a:pPr lvl="1"/>
             <a:r>
-              <a:rPr lang="en-US" dirty="0" smtClean="0"/>
+              <a:rPr lang="en-US" dirty="0"/>
               <a:t>Pre erase sectors</a:t>
             </a:r>
           </a:p>
           <a:p>
             <a:pPr lvl="1"/>
             <a:r>
-              <a:rPr lang="en-US" dirty="0" smtClean="0"/>
+              <a:rPr lang="en-US" dirty="0"/>
               <a:t>Do multi-block writes</a:t>
             </a:r>
           </a:p>
           <a:p>
             <a:pPr lvl="1"/>
             <a:r>
-              <a:rPr lang="en-US" dirty="0" smtClean="0"/>
+              <a:rPr lang="en-US" dirty="0"/>
               <a:t>Have large buffer to hold data when writes are slow, mainly for streaming devices. </a:t>
             </a:r>
-            <a:endParaRPr lang="en-US" dirty="0"/>
           </a:p>
         </p:txBody>
       </p:sp>
@@ -12174,13 +11960,6 @@
   <p:clrMapOvr>
     <a:masterClrMapping/>
   </p:clrMapOvr>
-  <p:timing>
-    <p:tnLst>
-      <p:par>
-        <p:cTn id="1" dur="indefinite" restart="never" nodeType="tmRoot"/>
-      </p:par>
-    </p:tnLst>
-  </p:timing>
 </p:sld>
 </file>
 
@@ -12217,10 +11996,9 @@
           <a:lstStyle/>
           <a:p>
             <a:r>
-              <a:rPr lang="en-US" dirty="0" smtClean="0"/>
+              <a:rPr lang="en-US" dirty="0"/>
               <a:t>Flash Problems</a:t>
             </a:r>
-            <a:endParaRPr lang="en-US" dirty="0"/>
           </a:p>
         </p:txBody>
       </p:sp>
@@ -12240,17 +12018,16 @@
           <a:lstStyle/>
           <a:p>
             <a:r>
-              <a:rPr lang="en-US" dirty="0" smtClean="0"/>
+              <a:rPr lang="en-US" dirty="0"/>
               <a:t>Most flash memories are set to all ones (0xFF) when erased. Microsoft when doing a full format of a device likes to zero out all the clusters, just opposite of what you want… </a:t>
             </a:r>
           </a:p>
           <a:p>
             <a:pPr lvl="1"/>
             <a:r>
-              <a:rPr lang="en-US" dirty="0" smtClean="0"/>
+              <a:rPr lang="en-US" dirty="0"/>
               <a:t>Not sure if controllers on SD cards ignore this or not. </a:t>
             </a:r>
-            <a:endParaRPr lang="en-US" dirty="0"/>
           </a:p>
         </p:txBody>
       </p:sp>
@@ -12259,13 +12036,6 @@
   <p:clrMapOvr>
     <a:masterClrMapping/>
   </p:clrMapOvr>
-  <p:timing>
-    <p:tnLst>
-      <p:par>
-        <p:cTn id="1" dur="indefinite" restart="never" nodeType="tmRoot"/>
-      </p:par>
-    </p:tnLst>
-  </p:timing>
 </p:sld>
 </file>
 
@@ -12302,10 +12072,9 @@
           <a:lstStyle/>
           <a:p>
             <a:r>
-              <a:rPr lang="en-US" dirty="0" smtClean="0"/>
+              <a:rPr lang="en-US" dirty="0"/>
               <a:t>Common Problems</a:t>
             </a:r>
-            <a:endParaRPr lang="en-US" dirty="0"/>
           </a:p>
         </p:txBody>
       </p:sp>
@@ -12325,24 +12094,23 @@
           <a:lstStyle/>
           <a:p>
             <a:r>
-              <a:rPr lang="en-US" dirty="0" smtClean="0"/>
+              <a:rPr lang="en-US" dirty="0"/>
               <a:t>Limit of ~50 files </a:t>
             </a:r>
           </a:p>
           <a:p>
             <a:pPr lvl="1"/>
             <a:r>
-              <a:rPr lang="en-US" dirty="0" smtClean="0"/>
+              <a:rPr lang="en-US" dirty="0"/>
               <a:t>A directory entry is 32 bytes thus 32*50=1600. Most likely limit is really 48 if cluster size is three 512 byte clusters. </a:t>
             </a:r>
           </a:p>
           <a:p>
             <a:pPr lvl="1"/>
             <a:r>
-              <a:rPr lang="en-US" dirty="0" smtClean="0"/>
+              <a:rPr lang="en-US" dirty="0"/>
               <a:t>Reason is that in FAT32 the root directory after format is allocated as one cluster. Thus if cluster is three sectors it will fill after 48 entries and then file system drive needs to allocate new cluster to extend root directory. </a:t>
             </a:r>
-            <a:endParaRPr lang="en-US" dirty="0"/>
           </a:p>
         </p:txBody>
       </p:sp>
@@ -12351,13 +12119,6 @@
   <p:clrMapOvr>
     <a:masterClrMapping/>
   </p:clrMapOvr>
-  <p:timing>
-    <p:tnLst>
-      <p:par>
-        <p:cTn id="1" dur="indefinite" restart="never" nodeType="tmRoot"/>
-      </p:par>
-    </p:tnLst>
-  </p:timing>
 </p:sld>
 </file>
 
@@ -12394,10 +12155,9 @@
           <a:lstStyle/>
           <a:p>
             <a:r>
-              <a:rPr lang="en-US" dirty="0" smtClean="0"/>
+              <a:rPr lang="en-US" dirty="0"/>
               <a:t>Common Problems</a:t>
             </a:r>
-            <a:endParaRPr lang="en-US" dirty="0"/>
           </a:p>
         </p:txBody>
       </p:sp>
@@ -12419,42 +12179,42 @@
           <a:lstStyle/>
           <a:p>
             <a:r>
-              <a:rPr lang="en-US" dirty="0" smtClean="0"/>
+              <a:rPr lang="en-US" dirty="0"/>
               <a:t>Is it FAT12, FAT16 or FAT32? </a:t>
             </a:r>
           </a:p>
           <a:p>
             <a:pPr lvl="1"/>
             <a:r>
-              <a:rPr lang="en-US" dirty="0" smtClean="0"/>
+              <a:rPr lang="en-US" dirty="0"/>
               <a:t>In the Boot Sector there is text for file system type, this should be ignored. </a:t>
             </a:r>
           </a:p>
           <a:p>
             <a:pPr lvl="1"/>
             <a:r>
-              <a:rPr lang="en-US" dirty="0" smtClean="0"/>
+              <a:rPr lang="en-US" dirty="0"/>
               <a:t>File system is FAT12 if number of clusters is less than 4085.</a:t>
             </a:r>
           </a:p>
           <a:p>
             <a:pPr lvl="1"/>
             <a:r>
-              <a:rPr lang="en-US" dirty="0" smtClean="0"/>
+              <a:rPr lang="en-US" dirty="0"/>
               <a:t>File system is FAT16 if number of clusters is greater than 4084 and less than 65525.</a:t>
             </a:r>
           </a:p>
           <a:p>
             <a:pPr lvl="1"/>
             <a:r>
-              <a:rPr lang="en-US" dirty="0" smtClean="0"/>
+              <a:rPr lang="en-US" dirty="0"/>
               <a:t>If over 65524 then it is FAT32. </a:t>
             </a:r>
           </a:p>
           <a:p>
             <a:pPr lvl="1"/>
             <a:r>
-              <a:rPr lang="en-US" dirty="0" smtClean="0"/>
+              <a:rPr lang="en-US" dirty="0"/>
               <a:t>Coders are often off by 1 on the above comparison, thus best to not format file system with cluster count anywhere close to these numbers. </a:t>
             </a:r>
           </a:p>
@@ -12465,13 +12225,6 @@
   <p:clrMapOvr>
     <a:masterClrMapping/>
   </p:clrMapOvr>
-  <p:timing>
-    <p:tnLst>
-      <p:par>
-        <p:cTn id="1" dur="indefinite" restart="never" nodeType="tmRoot"/>
-      </p:par>
-    </p:tnLst>
-  </p:timing>
 </p:sld>
 </file>
 
@@ -12508,10 +12261,9 @@
           <a:lstStyle/>
           <a:p>
             <a:r>
-              <a:rPr lang="en-US" dirty="0" smtClean="0"/>
+              <a:rPr lang="en-US" dirty="0"/>
               <a:t>Common Problems</a:t>
             </a:r>
-            <a:endParaRPr lang="en-US" dirty="0"/>
           </a:p>
         </p:txBody>
       </p:sp>
@@ -12531,32 +12283,23 @@
           <a:lstStyle/>
           <a:p>
             <a:r>
-              <a:rPr lang="en-US" dirty="0" smtClean="0"/>
+              <a:rPr lang="en-US" dirty="0"/>
               <a:t>File Deletion</a:t>
             </a:r>
           </a:p>
           <a:p>
             <a:pPr lvl="1"/>
             <a:r>
-              <a:rPr lang="en-US" dirty="0" smtClean="0"/>
-              <a:t>A file is marked for deletion if first character in file name is 0xE5. </a:t>
-            </a:r>
-            <a:r>
-              <a:rPr lang="en-US" dirty="0"/>
-              <a:t> </a:t>
-            </a:r>
-            <a:r>
-              <a:rPr lang="en-US" dirty="0" smtClean="0"/>
-              <a:t>This means the file is not actually deleted from disk but marked as such. </a:t>
+              <a:rPr lang="en-US" dirty="0"/>
+              <a:t>A file is marked for deletion if first character in file name is 0xE5.  This means the file is not actually deleted from disk but marked as such. </a:t>
             </a:r>
           </a:p>
           <a:p>
             <a:pPr lvl="1"/>
             <a:r>
-              <a:rPr lang="en-US" dirty="0" smtClean="0"/>
+              <a:rPr lang="en-US" dirty="0"/>
               <a:t>This can create problem where file is deleted but space does not appear to be reclaimed. </a:t>
             </a:r>
-            <a:endParaRPr lang="en-US" dirty="0"/>
           </a:p>
         </p:txBody>
       </p:sp>
@@ -12565,13 +12308,6 @@
   <p:clrMapOvr>
     <a:masterClrMapping/>
   </p:clrMapOvr>
-  <p:timing>
-    <p:tnLst>
-      <p:par>
-        <p:cTn id="1" dur="indefinite" restart="never" nodeType="tmRoot"/>
-      </p:par>
-    </p:tnLst>
-  </p:timing>
 </p:sld>
 </file>
 
@@ -12608,10 +12344,9 @@
           <a:lstStyle/>
           <a:p>
             <a:r>
-              <a:rPr lang="en-US" dirty="0" smtClean="0"/>
+              <a:rPr lang="en-US" dirty="0"/>
               <a:t>Introduction and History</a:t>
             </a:r>
-            <a:endParaRPr lang="en-US" dirty="0"/>
           </a:p>
         </p:txBody>
       </p:sp>
@@ -12631,22 +12366,21 @@
           <a:lstStyle/>
           <a:p>
             <a:r>
-              <a:rPr lang="en-US" dirty="0" smtClean="0"/>
+              <a:rPr lang="en-US" dirty="0"/>
               <a:t>Developed by Bill Gates and Marc McDonald in 1976-1977</a:t>
             </a:r>
           </a:p>
           <a:p>
             <a:r>
-              <a:rPr lang="en-US" dirty="0" smtClean="0"/>
+              <a:rPr lang="en-US" dirty="0"/>
               <a:t>Named from table which holds the information which stores used and/or free space information</a:t>
             </a:r>
           </a:p>
           <a:p>
             <a:r>
-              <a:rPr lang="en-US" dirty="0" smtClean="0"/>
+              <a:rPr lang="en-US" dirty="0"/>
               <a:t>Originally was FAT12, then FAT16 and now FAT32.</a:t>
             </a:r>
-            <a:endParaRPr lang="en-US" dirty="0"/>
           </a:p>
         </p:txBody>
       </p:sp>
@@ -12655,13 +12389,6 @@
   <p:clrMapOvr>
     <a:masterClrMapping/>
   </p:clrMapOvr>
-  <p:timing>
-    <p:tnLst>
-      <p:par>
-        <p:cTn id="1" dur="indefinite" restart="never" nodeType="tmRoot"/>
-      </p:par>
-    </p:tnLst>
-  </p:timing>
 </p:sld>
 </file>
 
@@ -12698,10 +12425,9 @@
           <a:lstStyle/>
           <a:p>
             <a:r>
-              <a:rPr lang="en-US" dirty="0" smtClean="0"/>
+              <a:rPr lang="en-US" dirty="0"/>
               <a:t>Common Problems</a:t>
             </a:r>
-            <a:endParaRPr lang="en-US" dirty="0"/>
           </a:p>
         </p:txBody>
       </p:sp>
@@ -12721,18 +12447,16 @@
           <a:lstStyle/>
           <a:p>
             <a:r>
-              <a:rPr lang="en-US" dirty="0" smtClean="0"/>
+              <a:rPr lang="en-US" dirty="0"/>
               <a:t>FAT indexing starts with 2. </a:t>
             </a:r>
-            <a:endParaRPr lang="en-US" dirty="0"/>
           </a:p>
           <a:p>
             <a:pPr lvl="1"/>
             <a:r>
-              <a:rPr lang="en-US" dirty="0" smtClean="0"/>
+              <a:rPr lang="en-US" dirty="0"/>
               <a:t>This is because 0 and 1 are used as flags. Thus cluster number verse FAT index number often causes problems in file system. </a:t>
             </a:r>
-            <a:endParaRPr lang="en-US" dirty="0"/>
           </a:p>
         </p:txBody>
       </p:sp>
@@ -12741,13 +12465,6 @@
   <p:clrMapOvr>
     <a:masterClrMapping/>
   </p:clrMapOvr>
-  <p:timing>
-    <p:tnLst>
-      <p:par>
-        <p:cTn id="1" dur="indefinite" restart="never" nodeType="tmRoot"/>
-      </p:par>
-    </p:tnLst>
-  </p:timing>
 </p:sld>
 </file>
 
@@ -12784,10 +12501,9 @@
           <a:lstStyle/>
           <a:p>
             <a:r>
-              <a:rPr lang="en-US" dirty="0" smtClean="0"/>
+              <a:rPr lang="en-US" dirty="0"/>
               <a:t>Common Problems</a:t>
             </a:r>
-            <a:endParaRPr lang="en-US" dirty="0"/>
           </a:p>
         </p:txBody>
       </p:sp>
@@ -12809,31 +12525,30 @@
           <a:lstStyle/>
           <a:p>
             <a:r>
-              <a:rPr lang="en-US" dirty="0" smtClean="0"/>
+              <a:rPr lang="en-US" dirty="0"/>
               <a:t>File name errors</a:t>
             </a:r>
           </a:p>
           <a:p>
             <a:pPr lvl="1"/>
             <a:r>
-              <a:rPr lang="en-US" dirty="0" smtClean="0"/>
+              <a:rPr lang="en-US" dirty="0"/>
               <a:t>If file name has 0xE5 as first character the it could be a problem. Thus if file name starts with 0xE5 it should be preceded with 0x05</a:t>
             </a:r>
           </a:p>
           <a:p>
             <a:pPr lvl="1"/>
             <a:r>
-              <a:rPr lang="en-US" dirty="0" smtClean="0"/>
+              <a:rPr lang="en-US" dirty="0"/>
               <a:t>Normal problems with “.” and “..” file names. When a directory is created then the “.” and “..” entries in that directory table should also be created. </a:t>
             </a:r>
           </a:p>
           <a:p>
             <a:pPr lvl="1"/>
             <a:r>
-              <a:rPr lang="en-US" dirty="0" smtClean="0"/>
+              <a:rPr lang="en-US" dirty="0"/>
               <a:t>Capitalization, use capitol letters! NT and latter OSs added flag to directory structure to determine if the name and/or extension should be lower case or not. FAT however does not support mixed cases.</a:t>
             </a:r>
-            <a:endParaRPr lang="en-US" dirty="0"/>
           </a:p>
         </p:txBody>
       </p:sp>
@@ -12842,13 +12557,6 @@
   <p:clrMapOvr>
     <a:masterClrMapping/>
   </p:clrMapOvr>
-  <p:timing>
-    <p:tnLst>
-      <p:par>
-        <p:cTn id="1" dur="indefinite" restart="never" nodeType="tmRoot"/>
-      </p:par>
-    </p:tnLst>
-  </p:timing>
 </p:sld>
 </file>
 
@@ -12887,10 +12595,9 @@
           <a:lstStyle/>
           <a:p>
             <a:r>
-              <a:rPr lang="en-US" dirty="0" smtClean="0"/>
+              <a:rPr lang="en-US" dirty="0"/>
               <a:t>Useful Tools and References</a:t>
             </a:r>
-            <a:endParaRPr lang="en-US" dirty="0"/>
           </a:p>
         </p:txBody>
       </p:sp>
@@ -12912,57 +12619,56 @@
           <a:lstStyle/>
           <a:p>
             <a:r>
-              <a:rPr lang="en-US" dirty="0" err="1" smtClean="0"/>
+              <a:rPr lang="en-US" dirty="0" err="1"/>
               <a:t>dd</a:t>
             </a:r>
             <a:r>
-              <a:rPr lang="en-US" dirty="0" smtClean="0"/>
+              <a:rPr lang="en-US" dirty="0"/>
               <a:t> – DD is the most useful tool you will find!</a:t>
             </a:r>
           </a:p>
           <a:p>
             <a:r>
-              <a:rPr lang="en-US" dirty="0" err="1" smtClean="0"/>
+              <a:rPr lang="en-US" dirty="0" err="1"/>
               <a:t>Dosfstools</a:t>
             </a:r>
             <a:r>
-              <a:rPr lang="en-US" dirty="0" smtClean="0"/>
+              <a:rPr lang="en-US" dirty="0"/>
               <a:t> – look at the source especially </a:t>
             </a:r>
             <a:r>
-              <a:rPr lang="en-US" dirty="0" err="1" smtClean="0"/>
+              <a:rPr lang="en-US" dirty="0" err="1"/>
               <a:t>fsck</a:t>
             </a:r>
-            <a:endParaRPr lang="en-US" dirty="0" smtClean="0"/>
-          </a:p>
-          <a:p>
-            <a:r>
-              <a:rPr lang="en-US" dirty="0" smtClean="0"/>
+            <a:endParaRPr lang="en-US" dirty="0"/>
+          </a:p>
+          <a:p>
+            <a:r>
+              <a:rPr lang="en-US" dirty="0"/>
               <a:t>EFSL – hey it is free, quit bitching.</a:t>
             </a:r>
           </a:p>
           <a:p>
             <a:r>
-              <a:rPr lang="en-US" dirty="0" smtClean="0"/>
+              <a:rPr lang="en-US" dirty="0"/>
               <a:t>Wikipedia – has great documentation for FAT</a:t>
             </a:r>
           </a:p>
           <a:p>
             <a:r>
-              <a:rPr lang="en-US" dirty="0" smtClean="0"/>
+              <a:rPr lang="en-US" dirty="0"/>
               <a:t>Microsoft – freely publishes FAT32 file system specification documentation. </a:t>
             </a:r>
           </a:p>
           <a:p>
             <a:r>
-              <a:rPr lang="en-US" dirty="0" err="1" smtClean="0"/>
+              <a:rPr lang="en-US" dirty="0" err="1"/>
               <a:t>Recoverjpeg</a:t>
             </a:r>
             <a:r>
-              <a:rPr lang="en-US" dirty="0" smtClean="0"/>
+              <a:rPr lang="en-US" dirty="0"/>
               <a:t> – “Dear I deleted the SD card before I downloaded the pictures. Here go get my pictures back.” “But dear you deleted them!” “Oh shut-up and go do it!” </a:t>
             </a:r>
-            <a:endParaRPr lang="en-US" dirty="0"/>
           </a:p>
         </p:txBody>
       </p:sp>
@@ -12971,13 +12677,6 @@
   <p:clrMapOvr>
     <a:masterClrMapping/>
   </p:clrMapOvr>
-  <p:timing>
-    <p:tnLst>
-      <p:par>
-        <p:cTn id="1" dur="indefinite" restart="never" nodeType="tmRoot"/>
-      </p:par>
-    </p:tnLst>
-  </p:timing>
 </p:sld>
 </file>
 
@@ -13014,10 +12713,9 @@
           <a:lstStyle/>
           <a:p>
             <a:r>
-              <a:rPr lang="en-US" dirty="0" smtClean="0"/>
+              <a:rPr lang="en-US" dirty="0"/>
               <a:t>Disk Structure</a:t>
             </a:r>
-            <a:endParaRPr lang="en-US" dirty="0"/>
           </a:p>
         </p:txBody>
       </p:sp>
@@ -13037,28 +12735,27 @@
           <a:lstStyle/>
           <a:p>
             <a:r>
-              <a:rPr lang="en-US" dirty="0" smtClean="0"/>
+              <a:rPr lang="en-US" dirty="0"/>
               <a:t>Disks can often have multiple partitions</a:t>
             </a:r>
           </a:p>
           <a:p>
             <a:r>
-              <a:rPr lang="en-US" dirty="0" smtClean="0"/>
+              <a:rPr lang="en-US" dirty="0"/>
               <a:t>Each partition can have different file system</a:t>
             </a:r>
           </a:p>
           <a:p>
             <a:r>
-              <a:rPr lang="en-US" dirty="0" smtClean="0"/>
+              <a:rPr lang="en-US" dirty="0"/>
               <a:t>Master boot record describes the primary partition</a:t>
             </a:r>
           </a:p>
           <a:p>
             <a:r>
-              <a:rPr lang="en-US" dirty="0" smtClean="0"/>
+              <a:rPr lang="en-US" dirty="0"/>
               <a:t>SD cards and Flash drive may not have MBR</a:t>
             </a:r>
-            <a:endParaRPr lang="en-US" dirty="0"/>
           </a:p>
         </p:txBody>
       </p:sp>
@@ -13099,10 +12796,9 @@
           <a:p>
             <a:pPr algn="ctr"/>
             <a:r>
-              <a:rPr lang="en-US" dirty="0" smtClean="0"/>
+              <a:rPr lang="en-US" dirty="0"/>
               <a:t>MBR</a:t>
             </a:r>
-            <a:endParaRPr lang="en-US" dirty="0"/>
           </a:p>
         </p:txBody>
       </p:sp>
@@ -13143,10 +12839,9 @@
           <a:p>
             <a:pPr algn="ctr"/>
             <a:r>
-              <a:rPr lang="en-US" dirty="0" smtClean="0"/>
+              <a:rPr lang="en-US" dirty="0"/>
               <a:t>Partition 1</a:t>
             </a:r>
-            <a:endParaRPr lang="en-US" dirty="0"/>
           </a:p>
         </p:txBody>
       </p:sp>
@@ -13187,10 +12882,9 @@
           <a:p>
             <a:pPr algn="ctr"/>
             <a:r>
-              <a:rPr lang="en-US" dirty="0" smtClean="0"/>
+              <a:rPr lang="en-US" dirty="0"/>
               <a:t>Partition 2</a:t>
             </a:r>
-            <a:endParaRPr lang="en-US" dirty="0"/>
           </a:p>
         </p:txBody>
       </p:sp>
@@ -13199,13 +12893,6 @@
   <p:clrMapOvr>
     <a:masterClrMapping/>
   </p:clrMapOvr>
-  <p:timing>
-    <p:tnLst>
-      <p:par>
-        <p:cTn id="1" dur="indefinite" restart="never" nodeType="tmRoot"/>
-      </p:par>
-    </p:tnLst>
-  </p:timing>
 </p:sld>
 </file>
 
@@ -13242,10 +12929,9 @@
           <a:lstStyle/>
           <a:p>
             <a:r>
-              <a:rPr lang="en-US" dirty="0" smtClean="0"/>
+              <a:rPr lang="en-US" dirty="0"/>
               <a:t>FAT Partition Map</a:t>
             </a:r>
-            <a:endParaRPr lang="en-US" dirty="0"/>
           </a:p>
         </p:txBody>
       </p:sp>
@@ -13270,30 +12956,21 @@
           <a:lstStyle/>
           <a:p>
             <a:r>
-              <a:rPr lang="en-US" dirty="0" smtClean="0"/>
-              <a:t>Boot Sector is also known as BIOS </a:t>
-            </a:r>
-            <a:r>
-              <a:rPr lang="en-US" dirty="0"/>
-              <a:t>P</a:t>
-            </a:r>
-            <a:r>
-              <a:rPr lang="en-US" dirty="0" smtClean="0"/>
-              <a:t>arameter Block</a:t>
-            </a:r>
-          </a:p>
-          <a:p>
-            <a:r>
-              <a:rPr lang="en-US" dirty="0" smtClean="0"/>
+              <a:rPr lang="en-US" dirty="0"/>
+              <a:t>Boot Sector is also known as BIOS Parameter Block</a:t>
+            </a:r>
+          </a:p>
+          <a:p>
+            <a:r>
+              <a:rPr lang="en-US" dirty="0"/>
               <a:t>There maybe be two copies of FAT table in case one get corrupt</a:t>
             </a:r>
           </a:p>
           <a:p>
             <a:r>
-              <a:rPr lang="en-US" dirty="0" smtClean="0"/>
+              <a:rPr lang="en-US" dirty="0"/>
               <a:t>Data is where file data is stored</a:t>
             </a:r>
-            <a:endParaRPr lang="en-US" dirty="0"/>
           </a:p>
         </p:txBody>
       </p:sp>
@@ -13332,17 +13009,16 @@
           <a:p>
             <a:pPr algn="ctr"/>
             <a:r>
-              <a:rPr lang="en-US" dirty="0" smtClean="0"/>
+              <a:rPr lang="en-US" dirty="0"/>
               <a:t>Boot</a:t>
             </a:r>
           </a:p>
           <a:p>
             <a:pPr algn="ctr"/>
             <a:r>
-              <a:rPr lang="en-US" dirty="0" smtClean="0"/>
+              <a:rPr lang="en-US" dirty="0"/>
               <a:t>Sector</a:t>
             </a:r>
-            <a:endParaRPr lang="en-US" dirty="0"/>
           </a:p>
         </p:txBody>
       </p:sp>
@@ -13381,17 +13057,16 @@
           <a:p>
             <a:pPr algn="ctr"/>
             <a:r>
-              <a:rPr lang="en-US" dirty="0" smtClean="0"/>
+              <a:rPr lang="en-US" dirty="0"/>
               <a:t>FS Info</a:t>
             </a:r>
           </a:p>
           <a:p>
             <a:pPr algn="ctr"/>
             <a:r>
-              <a:rPr lang="en-US" dirty="0" smtClean="0"/>
+              <a:rPr lang="en-US" dirty="0"/>
               <a:t>(FAT32)</a:t>
             </a:r>
-            <a:endParaRPr lang="en-US" dirty="0"/>
           </a:p>
         </p:txBody>
       </p:sp>
@@ -13430,17 +13105,16 @@
           <a:p>
             <a:pPr algn="ctr"/>
             <a:r>
-              <a:rPr lang="en-US" dirty="0" smtClean="0"/>
+              <a:rPr lang="en-US" dirty="0"/>
               <a:t>Reserved</a:t>
             </a:r>
           </a:p>
           <a:p>
             <a:pPr algn="ctr"/>
             <a:r>
-              <a:rPr lang="en-US" dirty="0" smtClean="0"/>
+              <a:rPr lang="en-US" dirty="0"/>
               <a:t>Sectors</a:t>
             </a:r>
-            <a:endParaRPr lang="en-US" dirty="0"/>
           </a:p>
         </p:txBody>
       </p:sp>
@@ -13479,10 +13153,9 @@
           <a:p>
             <a:pPr algn="ctr"/>
             <a:r>
-              <a:rPr lang="en-US" dirty="0" smtClean="0"/>
+              <a:rPr lang="en-US" dirty="0"/>
               <a:t>FAT #1</a:t>
             </a:r>
-            <a:endParaRPr lang="en-US" dirty="0"/>
           </a:p>
         </p:txBody>
       </p:sp>
@@ -13521,10 +13194,9 @@
           <a:p>
             <a:pPr algn="ctr"/>
             <a:r>
-              <a:rPr lang="en-US" dirty="0" smtClean="0"/>
+              <a:rPr lang="en-US" dirty="0"/>
               <a:t>FAT #2</a:t>
             </a:r>
-            <a:endParaRPr lang="en-US" dirty="0"/>
           </a:p>
         </p:txBody>
       </p:sp>
@@ -13563,10 +13235,9 @@
           <a:p>
             <a:pPr algn="ctr"/>
             <a:r>
-              <a:rPr lang="en-US" dirty="0" smtClean="0"/>
+              <a:rPr lang="en-US" dirty="0"/>
               <a:t>Root Directory (FAT12 FAT16)</a:t>
             </a:r>
-            <a:endParaRPr lang="en-US" dirty="0"/>
           </a:p>
         </p:txBody>
       </p:sp>
@@ -13605,10 +13276,9 @@
           <a:p>
             <a:pPr algn="ctr"/>
             <a:r>
-              <a:rPr lang="en-US" dirty="0" smtClean="0"/>
+              <a:rPr lang="en-US" dirty="0"/>
               <a:t>Data</a:t>
             </a:r>
-            <a:endParaRPr lang="en-US" dirty="0"/>
           </a:p>
         </p:txBody>
       </p:sp>
@@ -13617,13 +13287,6 @@
   <p:clrMapOvr>
     <a:masterClrMapping/>
   </p:clrMapOvr>
-  <p:timing>
-    <p:tnLst>
-      <p:par>
-        <p:cTn id="1" dur="indefinite" restart="never" nodeType="tmRoot"/>
-      </p:par>
-    </p:tnLst>
-  </p:timing>
 </p:sld>
 </file>
 
@@ -13660,10 +13323,9 @@
           <a:lstStyle/>
           <a:p>
             <a:r>
-              <a:rPr lang="en-US" dirty="0" smtClean="0"/>
+              <a:rPr lang="en-US" dirty="0"/>
               <a:t>What is a Sector</a:t>
             </a:r>
-            <a:endParaRPr lang="en-US" dirty="0"/>
           </a:p>
         </p:txBody>
       </p:sp>
@@ -13683,16 +13345,15 @@
           <a:lstStyle/>
           <a:p>
             <a:r>
-              <a:rPr lang="en-US" dirty="0" smtClean="0"/>
+              <a:rPr lang="en-US" dirty="0"/>
               <a:t>A sector is a block of data, usually 512 bytes. </a:t>
             </a:r>
           </a:p>
           <a:p>
             <a:r>
-              <a:rPr lang="en-US" dirty="0" smtClean="0"/>
+              <a:rPr lang="en-US" dirty="0"/>
               <a:t>SD cards and most flash drives are sector base devices. That is you can only write a sector at time. </a:t>
             </a:r>
-            <a:endParaRPr lang="en-US" dirty="0"/>
           </a:p>
         </p:txBody>
       </p:sp>
@@ -13701,13 +13362,6 @@
   <p:clrMapOvr>
     <a:masterClrMapping/>
   </p:clrMapOvr>
-  <p:timing>
-    <p:tnLst>
-      <p:par>
-        <p:cTn id="1" dur="indefinite" restart="never" nodeType="tmRoot"/>
-      </p:par>
-    </p:tnLst>
-  </p:timing>
 </p:sld>
 </file>
 
@@ -13744,10 +13398,9 @@
           <a:lstStyle/>
           <a:p>
             <a:r>
-              <a:rPr lang="en-US" dirty="0" smtClean="0"/>
+              <a:rPr lang="en-US" dirty="0"/>
               <a:t>Boot Sector (FAT12/FAT16)</a:t>
             </a:r>
-            <a:endParaRPr lang="en-US" dirty="0"/>
           </a:p>
         </p:txBody>
       </p:sp>
@@ -13769,76 +13422,80 @@
           <a:lstStyle/>
           <a:p>
             <a:r>
-              <a:rPr lang="en-US" dirty="0" smtClean="0"/>
-              <a:t>Not first sector on drive if drive has MBR, however on Flash drives and SD cards it usually is. </a:t>
-            </a:r>
-          </a:p>
-          <a:p>
-            <a:r>
-              <a:rPr lang="en-US" dirty="0" smtClean="0"/>
+              <a:rPr lang="en-US"/>
+              <a:t>Not the </a:t>
+            </a:r>
+            <a:r>
+              <a:rPr lang="en-US" dirty="0"/>
+              <a:t>first sector on drive if drive has MBR, however on Flash drives and SD cards it usually is. </a:t>
+            </a:r>
+          </a:p>
+          <a:p>
+            <a:r>
+              <a:rPr lang="en-US" dirty="0"/>
               <a:t>Contains key information including:</a:t>
             </a:r>
           </a:p>
           <a:p>
             <a:pPr lvl="1"/>
             <a:r>
-              <a:rPr lang="en-US" dirty="0" smtClean="0"/>
+              <a:rPr lang="en-US" dirty="0"/>
               <a:t>Bytes per Sector</a:t>
             </a:r>
           </a:p>
           <a:p>
             <a:pPr lvl="1"/>
             <a:r>
-              <a:rPr lang="en-US" dirty="0" smtClean="0"/>
+              <a:rPr lang="en-US" dirty="0"/>
               <a:t>Sectors per Clusters</a:t>
             </a:r>
           </a:p>
           <a:p>
             <a:pPr lvl="1"/>
             <a:r>
-              <a:rPr lang="en-US" dirty="0" smtClean="0"/>
+              <a:rPr lang="en-US" dirty="0"/>
               <a:t>Reserved sectors</a:t>
             </a:r>
           </a:p>
           <a:p>
             <a:pPr lvl="1"/>
             <a:r>
-              <a:rPr lang="en-US" dirty="0" smtClean="0"/>
+              <a:rPr lang="en-US" dirty="0"/>
               <a:t>Number of FATs</a:t>
             </a:r>
           </a:p>
           <a:p>
             <a:pPr lvl="1"/>
             <a:r>
-              <a:rPr lang="en-US" dirty="0" smtClean="0"/>
+              <a:rPr lang="en-US" dirty="0"/>
               <a:t>Maximum root directory entries (FAT12 FAT16)</a:t>
             </a:r>
           </a:p>
           <a:p>
             <a:pPr lvl="1"/>
             <a:r>
-              <a:rPr lang="en-US" dirty="0" smtClean="0"/>
+              <a:rPr lang="en-US" dirty="0"/>
               <a:t>Total Sectors</a:t>
             </a:r>
           </a:p>
           <a:p>
             <a:pPr lvl="1"/>
             <a:r>
-              <a:rPr lang="en-US" dirty="0" smtClean="0"/>
+              <a:rPr lang="en-US" dirty="0"/>
               <a:t>Sectors per FAT (2 bytes)</a:t>
             </a:r>
           </a:p>
           <a:p>
             <a:pPr lvl="1"/>
             <a:r>
-              <a:rPr lang="en-US" dirty="0" smtClean="0"/>
+              <a:rPr lang="en-US" dirty="0"/>
               <a:t>Boot Code</a:t>
             </a:r>
           </a:p>
           <a:p>
             <a:pPr lvl="1"/>
             <a:r>
-              <a:rPr lang="en-US" dirty="0" smtClean="0"/>
+              <a:rPr lang="en-US" dirty="0"/>
               <a:t>etc</a:t>
             </a:r>
           </a:p>
@@ -13846,7 +13503,7 @@
             <a:pPr>
               <a:buNone/>
             </a:pPr>
-            <a:endParaRPr lang="en-US" dirty="0" smtClean="0"/>
+            <a:endParaRPr lang="en-US" dirty="0"/>
           </a:p>
         </p:txBody>
       </p:sp>
@@ -13855,13 +13512,6 @@
   <p:clrMapOvr>
     <a:masterClrMapping/>
   </p:clrMapOvr>
-  <p:timing>
-    <p:tnLst>
-      <p:par>
-        <p:cTn id="1" dur="indefinite" restart="never" nodeType="tmRoot"/>
-      </p:par>
-    </p:tnLst>
-  </p:timing>
 </p:sld>
 </file>
 
@@ -13898,10 +13548,9 @@
           <a:lstStyle/>
           <a:p>
             <a:r>
-              <a:rPr lang="en-US" dirty="0" smtClean="0"/>
+              <a:rPr lang="en-US" dirty="0"/>
               <a:t>Boot Sector (FAT32)</a:t>
             </a:r>
-            <a:endParaRPr lang="en-US" dirty="0"/>
           </a:p>
         </p:txBody>
       </p:sp>
@@ -13921,45 +13570,44 @@
           <a:lstStyle/>
           <a:p>
             <a:r>
-              <a:rPr lang="en-US" dirty="0" smtClean="0"/>
+              <a:rPr lang="en-US" dirty="0"/>
               <a:t>FAT32 added some additional data in boot sector</a:t>
             </a:r>
           </a:p>
           <a:p>
             <a:pPr lvl="1"/>
             <a:r>
-              <a:rPr lang="en-US" dirty="0" smtClean="0"/>
+              <a:rPr lang="en-US" dirty="0"/>
               <a:t>Sectors per FAT (4 bytes)</a:t>
             </a:r>
           </a:p>
           <a:p>
             <a:pPr lvl="1"/>
             <a:r>
-              <a:rPr lang="en-US" dirty="0" smtClean="0"/>
+              <a:rPr lang="en-US" dirty="0"/>
               <a:t>Cluster number for Root Directory (4 bytes)</a:t>
             </a:r>
           </a:p>
           <a:p>
             <a:pPr lvl="1"/>
             <a:r>
-              <a:rPr lang="en-US" dirty="0" smtClean="0"/>
+              <a:rPr lang="en-US" dirty="0"/>
               <a:t>FS Info Sector (2 bytes)</a:t>
             </a:r>
           </a:p>
           <a:p>
             <a:pPr lvl="1"/>
             <a:r>
-              <a:rPr lang="en-US" dirty="0" smtClean="0"/>
+              <a:rPr lang="en-US" dirty="0"/>
               <a:t>Sector for copy of boot sector (0 if none)</a:t>
             </a:r>
           </a:p>
           <a:p>
             <a:pPr lvl="1"/>
             <a:r>
-              <a:rPr lang="en-US" dirty="0" smtClean="0"/>
+              <a:rPr lang="en-US" dirty="0"/>
               <a:t>etc</a:t>
             </a:r>
-            <a:endParaRPr lang="en-US" dirty="0"/>
           </a:p>
         </p:txBody>
       </p:sp>
@@ -13968,13 +13616,6 @@
   <p:clrMapOvr>
     <a:masterClrMapping/>
   </p:clrMapOvr>
-  <p:timing>
-    <p:tnLst>
-      <p:par>
-        <p:cTn id="1" dur="indefinite" restart="never" nodeType="tmRoot"/>
-      </p:par>
-    </p:tnLst>
-  </p:timing>
 </p:sld>
 </file>
 
@@ -14011,10 +13652,9 @@
           <a:lstStyle/>
           <a:p>
             <a:r>
-              <a:rPr lang="en-US" dirty="0" smtClean="0"/>
+              <a:rPr lang="en-US" dirty="0"/>
               <a:t>FS Information Sector</a:t>
             </a:r>
-            <a:endParaRPr lang="en-US" dirty="0"/>
           </a:p>
         </p:txBody>
       </p:sp>
@@ -14034,31 +13674,29 @@
           <a:lstStyle/>
           <a:p>
             <a:r>
-              <a:rPr lang="en-US" dirty="0" smtClean="0"/>
+              <a:rPr lang="en-US" dirty="0"/>
               <a:t>This section is optional in FAT32, not all OS uses it. Not used on FAT12/FAT16</a:t>
             </a:r>
-            <a:endParaRPr lang="en-US" dirty="0"/>
-          </a:p>
-          <a:p>
-            <a:r>
-              <a:rPr lang="en-US" dirty="0" smtClean="0"/>
+          </a:p>
+          <a:p>
+            <a:r>
+              <a:rPr lang="en-US" dirty="0"/>
               <a:t>Was added for speeding up access times</a:t>
             </a:r>
           </a:p>
           <a:p>
             <a:pPr lvl="1"/>
             <a:r>
-              <a:rPr lang="en-US" dirty="0" smtClean="0"/>
+              <a:rPr lang="en-US" dirty="0"/>
               <a:t>Number free clusters (-1 if unknown)</a:t>
             </a:r>
           </a:p>
           <a:p>
             <a:pPr lvl="1"/>
             <a:r>
-              <a:rPr lang="en-US" dirty="0" smtClean="0"/>
+              <a:rPr lang="en-US" dirty="0"/>
               <a:t>Last used cluster</a:t>
             </a:r>
-            <a:endParaRPr lang="en-US" dirty="0"/>
           </a:p>
         </p:txBody>
       </p:sp>
@@ -14067,13 +13705,6 @@
   <p:clrMapOvr>
     <a:masterClrMapping/>
   </p:clrMapOvr>
-  <p:timing>
-    <p:tnLst>
-      <p:par>
-        <p:cTn id="1" dur="indefinite" restart="never" nodeType="tmRoot"/>
-      </p:par>
-    </p:tnLst>
-  </p:timing>
 </p:sld>
 </file>
 
